--- a/Meeting/20190613 Meeting/20190613 Meeting.pptx
+++ b/Meeting/20190613 Meeting/20190613 Meeting.pptx
@@ -13,13 +13,13 @@
     <p:sldId id="318" r:id="rId7"/>
     <p:sldId id="316" r:id="rId8"/>
     <p:sldId id="317" r:id="rId9"/>
-    <p:sldId id="320" r:id="rId10"/>
-    <p:sldId id="321" r:id="rId11"/>
-    <p:sldId id="322" r:id="rId12"/>
-    <p:sldId id="323" r:id="rId13"/>
-    <p:sldId id="325" r:id="rId14"/>
-    <p:sldId id="324" r:id="rId15"/>
-    <p:sldId id="326" r:id="rId16"/>
+    <p:sldId id="325" r:id="rId10"/>
+    <p:sldId id="326" r:id="rId11"/>
+    <p:sldId id="320" r:id="rId12"/>
+    <p:sldId id="321" r:id="rId13"/>
+    <p:sldId id="322" r:id="rId14"/>
+    <p:sldId id="323" r:id="rId15"/>
+    <p:sldId id="324" r:id="rId16"/>
   </p:sldIdLst>
   <p:sldSz cx="12192000" cy="6858000"/>
   <p:notesSz cx="6858000" cy="9144000"/>
@@ -128,13 +128,13 @@
             <p14:sldId id="318"/>
             <p14:sldId id="316"/>
             <p14:sldId id="317"/>
+            <p14:sldId id="325"/>
+            <p14:sldId id="326"/>
             <p14:sldId id="320"/>
             <p14:sldId id="321"/>
             <p14:sldId id="322"/>
             <p14:sldId id="323"/>
-            <p14:sldId id="325"/>
             <p14:sldId id="324"/>
-            <p14:sldId id="326"/>
           </p14:sldIdLst>
         </p14:section>
         <p14:section name="Problem" id="{658CDC75-6F02-4653-A93C-C93A591919BE}">
@@ -767,7 +767,7 @@
           <a:p>
             <a:fld id="{4B9FA8AB-93ED-4030-B179-2AF13832ABA7}" type="slidenum">
               <a:rPr lang="zh-TW" altLang="en-US" smtClean="0"/>
-              <a:t>7</a:t>
+              <a:t>9</a:t>
             </a:fld>
             <a:endParaRPr lang="zh-TW" altLang="en-US"/>
           </a:p>
@@ -915,7 +915,7 @@
           <a:p>
             <a:fld id="{4B9FA8AB-93ED-4030-B179-2AF13832ABA7}" type="slidenum">
               <a:rPr lang="zh-TW" altLang="en-US" smtClean="0"/>
-              <a:t>8</a:t>
+              <a:t>10</a:t>
             </a:fld>
             <a:endParaRPr lang="zh-TW" altLang="en-US"/>
           </a:p>
@@ -1142,7 +1142,7 @@
           <a:p>
             <a:fld id="{4B9FA8AB-93ED-4030-B179-2AF13832ABA7}" type="slidenum">
               <a:rPr lang="zh-TW" altLang="en-US" smtClean="0"/>
-              <a:t>9</a:t>
+              <a:t>11</a:t>
             </a:fld>
             <a:endParaRPr lang="zh-TW" altLang="en-US"/>
           </a:p>
@@ -1293,7 +1293,7 @@
           <a:p>
             <a:fld id="{4B9FA8AB-93ED-4030-B179-2AF13832ABA7}" type="slidenum">
               <a:rPr lang="zh-TW" altLang="en-US" smtClean="0"/>
-              <a:t>11</a:t>
+              <a:t>12</a:t>
             </a:fld>
             <a:endParaRPr lang="zh-TW" altLang="en-US"/>
           </a:p>
@@ -23354,2446 +23354,6 @@
           <a:chExt cx="0" cy="0"/>
         </a:xfrm>
       </p:grpSpPr>
-      <p:sp>
-        <p:nvSpPr>
-          <p:cNvPr id="2" name="文字版面配置區 1"/>
-          <p:cNvSpPr>
-            <a:spLocks noGrp="1"/>
-          </p:cNvSpPr>
-          <p:nvPr>
-            <p:ph type="body" sz="quarter" idx="10"/>
-          </p:nvPr>
-        </p:nvSpPr>
-        <p:spPr/>
-        <p:txBody>
-          <a:bodyPr/>
-          <a:lstStyle/>
-          <a:p>
-            <a:endParaRPr lang="zh-TW" altLang="en-US"/>
-          </a:p>
-        </p:txBody>
-      </p:sp>
-      <p:sp>
-        <p:nvSpPr>
-          <p:cNvPr id="3" name="投影片編號版面配置區 2"/>
-          <p:cNvSpPr>
-            <a:spLocks noGrp="1"/>
-          </p:cNvSpPr>
-          <p:nvPr>
-            <p:ph type="sldNum" sz="quarter" idx="4"/>
-          </p:nvPr>
-        </p:nvSpPr>
-        <p:spPr/>
-        <p:txBody>
-          <a:bodyPr/>
-          <a:lstStyle/>
-          <a:p>
-            <a:fld id="{6F0746BA-D1AA-4FF4-8D48-BDBC7FF48778}" type="slidenum">
-              <a:rPr lang="fr-FR" smtClean="0"/>
-              <a:t>10</a:t>
-            </a:fld>
-            <a:endParaRPr lang="fr-FR"/>
-          </a:p>
-        </p:txBody>
-      </p:sp>
-      <p:pic>
-        <p:nvPicPr>
-          <p:cNvPr id="5" name="圖片 4"/>
-          <p:cNvPicPr>
-            <a:picLocks noChangeAspect="1"/>
-          </p:cNvPicPr>
-          <p:nvPr/>
-        </p:nvPicPr>
-        <p:blipFill>
-          <a:blip r:embed="rId2"/>
-          <a:stretch>
-            <a:fillRect/>
-          </a:stretch>
-        </p:blipFill>
-        <p:spPr>
-          <a:xfrm>
-            <a:off x="5986131" y="1784921"/>
-            <a:ext cx="6095238" cy="4571429"/>
-          </a:xfrm>
-          <a:prstGeom prst="rect">
-            <a:avLst/>
-          </a:prstGeom>
-        </p:spPr>
-      </p:pic>
-      <p:pic>
-        <p:nvPicPr>
-          <p:cNvPr id="6" name="圖片 5"/>
-          <p:cNvPicPr>
-            <a:picLocks noChangeAspect="1"/>
-          </p:cNvPicPr>
-          <p:nvPr/>
-        </p:nvPicPr>
-        <p:blipFill>
-          <a:blip r:embed="rId3"/>
-          <a:stretch>
-            <a:fillRect/>
-          </a:stretch>
-        </p:blipFill>
-        <p:spPr>
-          <a:xfrm>
-            <a:off x="762" y="1643015"/>
-            <a:ext cx="6095238" cy="4571429"/>
-          </a:xfrm>
-          <a:prstGeom prst="rect">
-            <a:avLst/>
-          </a:prstGeom>
-        </p:spPr>
-      </p:pic>
-    </p:spTree>
-    <p:extLst>
-      <p:ext uri="{BB962C8B-B14F-4D97-AF65-F5344CB8AC3E}">
-        <p14:creationId xmlns:p14="http://schemas.microsoft.com/office/powerpoint/2010/main" val="2592963929"/>
-      </p:ext>
-    </p:extLst>
-  </p:cSld>
-  <p:clrMapOvr>
-    <a:masterClrMapping/>
-  </p:clrMapOvr>
-  <mc:AlternateContent xmlns:mc="http://schemas.openxmlformats.org/markup-compatibility/2006" xmlns:p14="http://schemas.microsoft.com/office/powerpoint/2010/main">
-    <mc:Choice Requires="p14">
-      <p:transition spd="med" p14:dur="700">
-        <p:fade/>
-      </p:transition>
-    </mc:Choice>
-    <mc:Fallback xmlns="">
-      <p:transition spd="med">
-        <p:fade/>
-      </p:transition>
-    </mc:Fallback>
-  </mc:AlternateContent>
-  <p:timing>
-    <p:tnLst>
-      <p:par>
-        <p:cTn id="1" dur="indefinite" restart="never" nodeType="tmRoot"/>
-      </p:par>
-    </p:tnLst>
-  </p:timing>
-</p:sld>
-</file>
-
-<file path=ppt/slides/slide11.xml><?xml version="1.0" encoding="utf-8"?>
-<p:sld xmlns:a="http://schemas.openxmlformats.org/drawingml/2006/main" xmlns:r="http://schemas.openxmlformats.org/officeDocument/2006/relationships" xmlns:p="http://schemas.openxmlformats.org/presentationml/2006/main">
-  <p:cSld>
-    <p:spTree>
-      <p:nvGrpSpPr>
-        <p:cNvPr id="1" name=""/>
-        <p:cNvGrpSpPr/>
-        <p:nvPr/>
-      </p:nvGrpSpPr>
-      <p:grpSpPr>
-        <a:xfrm>
-          <a:off x="0" y="0"/>
-          <a:ext cx="0" cy="0"/>
-          <a:chOff x="0" y="0"/>
-          <a:chExt cx="0" cy="0"/>
-        </a:xfrm>
-      </p:grpSpPr>
-      <p:pic>
-        <p:nvPicPr>
-          <p:cNvPr id="9" name="圖片 8"/>
-          <p:cNvPicPr>
-            <a:picLocks noChangeAspect="1"/>
-          </p:cNvPicPr>
-          <p:nvPr/>
-        </p:nvPicPr>
-        <p:blipFill>
-          <a:blip r:embed="rId3">
-            <a:clrChange>
-              <a:clrFrom>
-                <a:srgbClr val="FFFFFF"/>
-              </a:clrFrom>
-              <a:clrTo>
-                <a:srgbClr val="FFFFFF">
-                  <a:alpha val="0"/>
-                </a:srgbClr>
-              </a:clrTo>
-            </a:clrChange>
-          </a:blip>
-          <a:stretch>
-            <a:fillRect/>
-          </a:stretch>
-        </p:blipFill>
-        <p:spPr>
-          <a:xfrm>
-            <a:off x="-2" y="1536691"/>
-            <a:ext cx="6095238" cy="4571429"/>
-          </a:xfrm>
-          <a:prstGeom prst="rect">
-            <a:avLst/>
-          </a:prstGeom>
-        </p:spPr>
-      </p:pic>
-      <p:sp>
-        <p:nvSpPr>
-          <p:cNvPr id="2" name="投影片編號版面配置區 1">
-            <a:extLst>
-              <a:ext uri="{FF2B5EF4-FFF2-40B4-BE49-F238E27FC236}">
-                <a16:creationId xmlns:a16="http://schemas.microsoft.com/office/drawing/2014/main" id="{08C3D0B9-BC05-4810-B7A6-4BAFB4EB875D}"/>
-              </a:ext>
-            </a:extLst>
-          </p:cNvPr>
-          <p:cNvSpPr>
-            <a:spLocks noGrp="1"/>
-          </p:cNvSpPr>
-          <p:nvPr>
-            <p:ph type="sldNum" sz="quarter" idx="4"/>
-          </p:nvPr>
-        </p:nvSpPr>
-        <p:spPr/>
-        <p:txBody>
-          <a:bodyPr/>
-          <a:lstStyle/>
-          <a:p>
-            <a:fld id="{6F0746BA-D1AA-4FF4-8D48-BDBC7FF48778}" type="slidenum">
-              <a:rPr lang="fr-FR" smtClean="0"/>
-              <a:t>11</a:t>
-            </a:fld>
-            <a:endParaRPr lang="fr-FR"/>
-          </a:p>
-        </p:txBody>
-      </p:sp>
-      <p:sp>
-        <p:nvSpPr>
-          <p:cNvPr id="5" name="文字方塊 4"/>
-          <p:cNvSpPr txBox="1"/>
-          <p:nvPr/>
-        </p:nvSpPr>
-        <p:spPr>
-          <a:xfrm>
-            <a:off x="839788" y="711204"/>
-            <a:ext cx="1519006" cy="461665"/>
-          </a:xfrm>
-          <a:prstGeom prst="rect">
-            <a:avLst/>
-          </a:prstGeom>
-          <a:noFill/>
-        </p:spPr>
-        <p:txBody>
-          <a:bodyPr wrap="none" lIns="0" rtlCol="0" anchor="t">
-            <a:spAutoFit/>
-          </a:bodyPr>
-          <a:lstStyle/>
-          <a:p>
-            <a:pPr algn="l">
-              <a:lnSpc>
-                <a:spcPct val="120000"/>
-              </a:lnSpc>
-            </a:pPr>
-            <a:r>
-              <a:rPr lang="en-US" altLang="zh-TW" sz="2000" dirty="0">
-                <a:solidFill>
-                  <a:schemeClr val="accent2"/>
-                </a:solidFill>
-                <a:latin typeface="Segoe UI Light" panose="020B0502040204020203" pitchFamily="34" charset="0"/>
-                <a:cs typeface="Segoe UI Light" panose="020B0502040204020203" pitchFamily="34" charset="0"/>
-              </a:rPr>
-              <a:t>- Demand As</a:t>
-            </a:r>
-            <a:endParaRPr lang="zh-TW" altLang="en-US" sz="2000" dirty="0">
-              <a:solidFill>
-                <a:schemeClr val="accent2"/>
-              </a:solidFill>
-              <a:latin typeface="Segoe UI Light" panose="020B0502040204020203" pitchFamily="34" charset="0"/>
-              <a:cs typeface="Segoe UI Light" panose="020B0502040204020203" pitchFamily="34" charset="0"/>
-            </a:endParaRPr>
-          </a:p>
-        </p:txBody>
-      </p:sp>
-      <p:sp>
-        <p:nvSpPr>
-          <p:cNvPr id="6" name="文字方塊 5"/>
-          <p:cNvSpPr txBox="1"/>
-          <p:nvPr/>
-        </p:nvSpPr>
-        <p:spPr>
-          <a:xfrm>
-            <a:off x="839788" y="1155582"/>
-            <a:ext cx="1881284" cy="461665"/>
-          </a:xfrm>
-          <a:prstGeom prst="rect">
-            <a:avLst/>
-          </a:prstGeom>
-          <a:solidFill>
-            <a:srgbClr val="F7F7F7"/>
-          </a:solidFill>
-        </p:spPr>
-        <p:txBody>
-          <a:bodyPr wrap="none" lIns="0" rtlCol="0" anchor="t">
-            <a:spAutoFit/>
-          </a:bodyPr>
-          <a:lstStyle/>
-          <a:p>
-            <a:pPr>
-              <a:lnSpc>
-                <a:spcPct val="120000"/>
-              </a:lnSpc>
-            </a:pPr>
-            <a:r>
-              <a:rPr lang="en-US" altLang="zh-TW" sz="2000" dirty="0">
-                <a:solidFill>
-                  <a:schemeClr val="accent3"/>
-                </a:solidFill>
-                <a:latin typeface="Segoe UI Light" panose="020B0502040204020203" pitchFamily="34" charset="0"/>
-                <a:cs typeface="Segoe UI Light" panose="020B0502040204020203" pitchFamily="34" charset="0"/>
-              </a:rPr>
-              <a:t>- Consider </a:t>
-            </a:r>
-            <a:r>
-              <a:rPr lang="en-US" altLang="zh-TW" sz="2000" dirty="0" err="1">
-                <a:solidFill>
-                  <a:schemeClr val="accent3"/>
-                </a:solidFill>
-                <a:latin typeface="Segoe UI Light" panose="020B0502040204020203" pitchFamily="34" charset="0"/>
-                <a:cs typeface="Segoe UI Light" panose="020B0502040204020203" pitchFamily="34" charset="0"/>
-              </a:rPr>
-              <a:t>Ld</a:t>
-            </a:r>
-            <a:r>
-              <a:rPr lang="en-US" altLang="zh-TW" sz="2000" dirty="0">
-                <a:solidFill>
-                  <a:schemeClr val="accent3"/>
-                </a:solidFill>
-                <a:latin typeface="Segoe UI Light" panose="020B0502040204020203" pitchFamily="34" charset="0"/>
-                <a:cs typeface="Segoe UI Light" panose="020B0502040204020203" pitchFamily="34" charset="0"/>
-              </a:rPr>
-              <a:t> As</a:t>
-            </a:r>
-            <a:endParaRPr lang="zh-TW" altLang="en-US" sz="2000" dirty="0">
-              <a:solidFill>
-                <a:schemeClr val="accent3"/>
-              </a:solidFill>
-              <a:latin typeface="Segoe UI Light" panose="020B0502040204020203" pitchFamily="34" charset="0"/>
-              <a:cs typeface="Segoe UI Light" panose="020B0502040204020203" pitchFamily="34" charset="0"/>
-            </a:endParaRPr>
-          </a:p>
-        </p:txBody>
-      </p:sp>
-      <p:sp>
-        <p:nvSpPr>
-          <p:cNvPr id="7" name="文字方塊 6"/>
-          <p:cNvSpPr txBox="1"/>
-          <p:nvPr/>
-        </p:nvSpPr>
-        <p:spPr>
-          <a:xfrm>
-            <a:off x="839788" y="1599960"/>
-            <a:ext cx="1334661" cy="461665"/>
-          </a:xfrm>
-          <a:prstGeom prst="rect">
-            <a:avLst/>
-          </a:prstGeom>
-          <a:noFill/>
-        </p:spPr>
-        <p:txBody>
-          <a:bodyPr wrap="none" lIns="0" rtlCol="0" anchor="t">
-            <a:spAutoFit/>
-          </a:bodyPr>
-          <a:lstStyle/>
-          <a:p>
-            <a:pPr algn="l">
-              <a:lnSpc>
-                <a:spcPct val="120000"/>
-              </a:lnSpc>
-            </a:pPr>
-            <a:r>
-              <a:rPr lang="en-US" altLang="zh-TW" sz="2000" dirty="0">
-                <a:solidFill>
-                  <a:schemeClr val="accent1"/>
-                </a:solidFill>
-                <a:latin typeface="Segoe UI Light" panose="020B0502040204020203" pitchFamily="34" charset="0"/>
-                <a:cs typeface="Segoe UI Light" panose="020B0502040204020203" pitchFamily="34" charset="0"/>
-              </a:rPr>
-              <a:t>- Design As</a:t>
-            </a:r>
-            <a:endParaRPr lang="zh-TW" altLang="en-US" sz="2000" dirty="0">
-              <a:solidFill>
-                <a:schemeClr val="accent1"/>
-              </a:solidFill>
-              <a:latin typeface="Segoe UI Light" panose="020B0502040204020203" pitchFamily="34" charset="0"/>
-              <a:cs typeface="Segoe UI Light" panose="020B0502040204020203" pitchFamily="34" charset="0"/>
-            </a:endParaRPr>
-          </a:p>
-        </p:txBody>
-      </p:sp>
-      <p:sp>
-        <p:nvSpPr>
-          <p:cNvPr id="8" name="文字方塊 7"/>
-          <p:cNvSpPr txBox="1"/>
-          <p:nvPr/>
-        </p:nvSpPr>
-        <p:spPr>
-          <a:xfrm>
-            <a:off x="8075582" y="811570"/>
-            <a:ext cx="2144177" cy="461665"/>
-          </a:xfrm>
-          <a:prstGeom prst="rect">
-            <a:avLst/>
-          </a:prstGeom>
-          <a:noFill/>
-        </p:spPr>
-        <p:txBody>
-          <a:bodyPr wrap="none" lIns="0" rtlCol="0" anchor="t">
-            <a:spAutoFit/>
-          </a:bodyPr>
-          <a:lstStyle/>
-          <a:p>
-            <a:pPr>
-              <a:lnSpc>
-                <a:spcPct val="120000"/>
-              </a:lnSpc>
-            </a:pPr>
-            <a:r>
-              <a:rPr lang="zh-TW" altLang="en-US" sz="2000" dirty="0" smtClean="0">
-                <a:latin typeface="Segoe UI Light" panose="020B0502040204020203" pitchFamily="34" charset="0"/>
-                <a:cs typeface="Segoe UI Light" panose="020B0502040204020203" pitchFamily="34" charset="0"/>
-              </a:rPr>
-              <a:t>傳統梁鋼筋配置</a:t>
-            </a:r>
-            <a:r>
-              <a:rPr lang="zh-TW" altLang="en-US" sz="2000" dirty="0">
-                <a:latin typeface="Segoe UI Light" panose="020B0502040204020203" pitchFamily="34" charset="0"/>
-                <a:cs typeface="Segoe UI Light" panose="020B0502040204020203" pitchFamily="34" charset="0"/>
-              </a:rPr>
-              <a:t>圖</a:t>
-            </a:r>
-          </a:p>
-        </p:txBody>
-      </p:sp>
-      <p:sp>
-        <p:nvSpPr>
-          <p:cNvPr id="3" name="文字方塊 2">
-            <a:extLst>
-              <a:ext uri="{FF2B5EF4-FFF2-40B4-BE49-F238E27FC236}">
-                <a16:creationId xmlns:a16="http://schemas.microsoft.com/office/drawing/2014/main" id="{89351A6F-C48D-0646-81AB-0B2C40694337}"/>
-              </a:ext>
-            </a:extLst>
-          </p:cNvPr>
-          <p:cNvSpPr txBox="1"/>
-          <p:nvPr/>
-        </p:nvSpPr>
-        <p:spPr>
-          <a:xfrm>
-            <a:off x="2379485" y="1847912"/>
-            <a:ext cx="1336263" cy="427425"/>
-          </a:xfrm>
-          <a:prstGeom prst="rect">
-            <a:avLst/>
-          </a:prstGeom>
-          <a:solidFill>
-            <a:srgbClr val="F7F7F7"/>
-          </a:solidFill>
-        </p:spPr>
-        <p:txBody>
-          <a:bodyPr wrap="none" lIns="0" rtlCol="0" anchor="t">
-            <a:spAutoFit/>
-          </a:bodyPr>
-          <a:lstStyle/>
-          <a:p>
-            <a:pPr algn="l">
-              <a:lnSpc>
-                <a:spcPct val="120000"/>
-              </a:lnSpc>
-            </a:pPr>
-            <a:r>
-              <a:rPr kumimoji="1" lang="en-US" altLang="zh-CN" sz="2000" dirty="0">
-                <a:latin typeface="Segoe UI Light" panose="020B0502040204020203" pitchFamily="34" charset="0"/>
-                <a:cs typeface="Segoe UI Light" panose="020B0502040204020203" pitchFamily="34" charset="0"/>
-              </a:rPr>
-              <a:t>Multi-Cut-2</a:t>
-            </a:r>
-            <a:endParaRPr kumimoji="1" lang="zh-TW" altLang="en-US" sz="2000" dirty="0">
-              <a:latin typeface="Segoe UI Light" panose="020B0502040204020203" pitchFamily="34" charset="0"/>
-              <a:cs typeface="Segoe UI Light" panose="020B0502040204020203" pitchFamily="34" charset="0"/>
-            </a:endParaRPr>
-          </a:p>
-        </p:txBody>
-      </p:sp>
-      <p:pic>
-        <p:nvPicPr>
-          <p:cNvPr id="11" name="圖片 10"/>
-          <p:cNvPicPr>
-            <a:picLocks noChangeAspect="1"/>
-          </p:cNvPicPr>
-          <p:nvPr/>
-        </p:nvPicPr>
-        <p:blipFill>
-          <a:blip r:embed="rId4">
-            <a:clrChange>
-              <a:clrFrom>
-                <a:srgbClr val="FFFFFF"/>
-              </a:clrFrom>
-              <a:clrTo>
-                <a:srgbClr val="FFFFFF">
-                  <a:alpha val="0"/>
-                </a:srgbClr>
-              </a:clrTo>
-            </a:clrChange>
-          </a:blip>
-          <a:stretch>
-            <a:fillRect/>
-          </a:stretch>
-        </p:blipFill>
-        <p:spPr>
-          <a:xfrm>
-            <a:off x="6096000" y="1348955"/>
-            <a:ext cx="6103346" cy="4683445"/>
-          </a:xfrm>
-          <a:prstGeom prst="rect">
-            <a:avLst/>
-          </a:prstGeom>
-        </p:spPr>
-      </p:pic>
-      <p:cxnSp>
-        <p:nvCxnSpPr>
-          <p:cNvPr id="13" name="直線單箭頭接點 12"/>
-          <p:cNvCxnSpPr/>
-          <p:nvPr/>
-        </p:nvCxnSpPr>
-        <p:spPr>
-          <a:xfrm>
-            <a:off x="9147673" y="3200400"/>
-            <a:ext cx="0" cy="490277"/>
-          </a:xfrm>
-          <a:prstGeom prst="straightConnector1">
-            <a:avLst/>
-          </a:prstGeom>
-          <a:ln>
-            <a:solidFill>
-              <a:schemeClr val="tx1"/>
-            </a:solidFill>
-            <a:tailEnd type="triangle"/>
-          </a:ln>
-        </p:spPr>
-        <p:style>
-          <a:lnRef idx="1">
-            <a:schemeClr val="accent1"/>
-          </a:lnRef>
-          <a:fillRef idx="0">
-            <a:schemeClr val="accent1"/>
-          </a:fillRef>
-          <a:effectRef idx="0">
-            <a:schemeClr val="accent1"/>
-          </a:effectRef>
-          <a:fontRef idx="minor">
-            <a:schemeClr val="tx1"/>
-          </a:fontRef>
-        </p:style>
-      </p:cxnSp>
-      <p:sp>
-        <p:nvSpPr>
-          <p:cNvPr id="12" name="文字方塊 11"/>
-          <p:cNvSpPr txBox="1"/>
-          <p:nvPr/>
-        </p:nvSpPr>
-        <p:spPr>
-          <a:xfrm>
-            <a:off x="7562622" y="6108120"/>
-            <a:ext cx="3170099" cy="461665"/>
-          </a:xfrm>
-          <a:prstGeom prst="rect">
-            <a:avLst/>
-          </a:prstGeom>
-          <a:noFill/>
-        </p:spPr>
-        <p:txBody>
-          <a:bodyPr wrap="none" lIns="0" rtlCol="0" anchor="t">
-            <a:spAutoFit/>
-          </a:bodyPr>
-          <a:lstStyle/>
-          <a:p>
-            <a:pPr>
-              <a:lnSpc>
-                <a:spcPct val="120000"/>
-              </a:lnSpc>
-            </a:pPr>
-            <a:r>
-              <a:rPr lang="zh-TW" altLang="en-US" sz="2000" dirty="0" smtClean="0">
-                <a:latin typeface="Segoe UI Light" panose="020B0502040204020203" pitchFamily="34" charset="0"/>
-                <a:cs typeface="Segoe UI Light" panose="020B0502040204020203" pitchFamily="34" charset="0"/>
-              </a:rPr>
-              <a:t>多點斷筋梁鋼筋</a:t>
-            </a:r>
-            <a:r>
-              <a:rPr lang="zh-TW" altLang="en-US" sz="2000" dirty="0">
-                <a:latin typeface="Segoe UI Light" panose="020B0502040204020203" pitchFamily="34" charset="0"/>
-                <a:cs typeface="Segoe UI Light" panose="020B0502040204020203" pitchFamily="34" charset="0"/>
-              </a:rPr>
-              <a:t>配置示意圖</a:t>
-            </a:r>
-          </a:p>
-        </p:txBody>
-      </p:sp>
-    </p:spTree>
-    <p:extLst>
-      <p:ext uri="{BB962C8B-B14F-4D97-AF65-F5344CB8AC3E}">
-        <p14:creationId xmlns:p14="http://schemas.microsoft.com/office/powerpoint/2010/main" val="189678464"/>
-      </p:ext>
-    </p:extLst>
-  </p:cSld>
-  <p:clrMapOvr>
-    <a:masterClrMapping/>
-  </p:clrMapOvr>
-  <mc:AlternateContent xmlns:mc="http://schemas.openxmlformats.org/markup-compatibility/2006" xmlns:p14="http://schemas.microsoft.com/office/powerpoint/2010/main">
-    <mc:Choice Requires="p14">
-      <p:transition spd="med" p14:dur="700">
-        <p:fade/>
-      </p:transition>
-    </mc:Choice>
-    <mc:Fallback xmlns="">
-      <p:transition spd="med">
-        <p:fade/>
-      </p:transition>
-    </mc:Fallback>
-  </mc:AlternateContent>
-  <p:timing>
-    <p:tnLst>
-      <p:par>
-        <p:cTn id="1" dur="indefinite" restart="never" nodeType="tmRoot"/>
-      </p:par>
-    </p:tnLst>
-  </p:timing>
-</p:sld>
-</file>
-
-<file path=ppt/slides/slide12.xml><?xml version="1.0" encoding="utf-8"?>
-<p:sld xmlns:a="http://schemas.openxmlformats.org/drawingml/2006/main" xmlns:r="http://schemas.openxmlformats.org/officeDocument/2006/relationships" xmlns:p="http://schemas.openxmlformats.org/presentationml/2006/main">
-  <p:cSld>
-    <p:spTree>
-      <p:nvGrpSpPr>
-        <p:cNvPr id="1" name=""/>
-        <p:cNvGrpSpPr/>
-        <p:nvPr/>
-      </p:nvGrpSpPr>
-      <p:grpSpPr>
-        <a:xfrm>
-          <a:off x="0" y="0"/>
-          <a:ext cx="0" cy="0"/>
-          <a:chOff x="0" y="0"/>
-          <a:chExt cx="0" cy="0"/>
-        </a:xfrm>
-      </p:grpSpPr>
-      <p:sp>
-        <p:nvSpPr>
-          <p:cNvPr id="2" name="投影片編號版面配置區 1"/>
-          <p:cNvSpPr>
-            <a:spLocks noGrp="1"/>
-          </p:cNvSpPr>
-          <p:nvPr>
-            <p:ph type="sldNum" sz="quarter" idx="4"/>
-          </p:nvPr>
-        </p:nvSpPr>
-        <p:spPr/>
-        <p:txBody>
-          <a:bodyPr/>
-          <a:lstStyle/>
-          <a:p>
-            <a:fld id="{6F0746BA-D1AA-4FF4-8D48-BDBC7FF48778}" type="slidenum">
-              <a:rPr lang="fr-FR" smtClean="0"/>
-              <a:t>12</a:t>
-            </a:fld>
-            <a:endParaRPr lang="fr-FR"/>
-          </a:p>
-        </p:txBody>
-      </p:sp>
-      <p:pic>
-        <p:nvPicPr>
-          <p:cNvPr id="3" name="圖片 2"/>
-          <p:cNvPicPr>
-            <a:picLocks noChangeAspect="1"/>
-          </p:cNvPicPr>
-          <p:nvPr/>
-        </p:nvPicPr>
-        <p:blipFill>
-          <a:blip r:embed="rId2"/>
-          <a:stretch>
-            <a:fillRect/>
-          </a:stretch>
-        </p:blipFill>
-        <p:spPr>
-          <a:xfrm>
-            <a:off x="6179669" y="1387834"/>
-            <a:ext cx="6095238" cy="4571429"/>
-          </a:xfrm>
-          <a:prstGeom prst="rect">
-            <a:avLst/>
-          </a:prstGeom>
-        </p:spPr>
-      </p:pic>
-      <p:pic>
-        <p:nvPicPr>
-          <p:cNvPr id="4" name="圖片 3"/>
-          <p:cNvPicPr>
-            <a:picLocks noChangeAspect="1"/>
-          </p:cNvPicPr>
-          <p:nvPr/>
-        </p:nvPicPr>
-        <p:blipFill>
-          <a:blip r:embed="rId3"/>
-          <a:stretch>
-            <a:fillRect/>
-          </a:stretch>
-        </p:blipFill>
-        <p:spPr>
-          <a:xfrm>
-            <a:off x="84431" y="1387833"/>
-            <a:ext cx="6095238" cy="4571429"/>
-          </a:xfrm>
-          <a:prstGeom prst="rect">
-            <a:avLst/>
-          </a:prstGeom>
-        </p:spPr>
-      </p:pic>
-    </p:spTree>
-    <p:extLst>
-      <p:ext uri="{BB962C8B-B14F-4D97-AF65-F5344CB8AC3E}">
-        <p14:creationId xmlns:p14="http://schemas.microsoft.com/office/powerpoint/2010/main" val="849224511"/>
-      </p:ext>
-    </p:extLst>
-  </p:cSld>
-  <p:clrMapOvr>
-    <a:masterClrMapping/>
-  </p:clrMapOvr>
-  <mc:AlternateContent xmlns:mc="http://schemas.openxmlformats.org/markup-compatibility/2006" xmlns:p14="http://schemas.microsoft.com/office/powerpoint/2010/main">
-    <mc:Choice Requires="p14">
-      <p:transition spd="med" p14:dur="700">
-        <p:fade/>
-      </p:transition>
-    </mc:Choice>
-    <mc:Fallback xmlns="">
-      <p:transition spd="med">
-        <p:fade/>
-      </p:transition>
-    </mc:Fallback>
-  </mc:AlternateContent>
-  <p:timing>
-    <p:tnLst>
-      <p:par>
-        <p:cTn id="1" dur="indefinite" restart="never" nodeType="tmRoot"/>
-      </p:par>
-    </p:tnLst>
-  </p:timing>
-</p:sld>
-</file>
-
-<file path=ppt/slides/slide2.xml><?xml version="1.0" encoding="utf-8"?>
-<p:sld xmlns:a="http://schemas.openxmlformats.org/drawingml/2006/main" xmlns:r="http://schemas.openxmlformats.org/officeDocument/2006/relationships" xmlns:p="http://schemas.openxmlformats.org/presentationml/2006/main">
-  <p:cSld>
-    <p:spTree>
-      <p:nvGrpSpPr>
-        <p:cNvPr id="1" name=""/>
-        <p:cNvGrpSpPr/>
-        <p:nvPr/>
-      </p:nvGrpSpPr>
-      <p:grpSpPr>
-        <a:xfrm>
-          <a:off x="0" y="0"/>
-          <a:ext cx="0" cy="0"/>
-          <a:chOff x="0" y="0"/>
-          <a:chExt cx="0" cy="0"/>
-        </a:xfrm>
-      </p:grpSpPr>
-      <p:sp>
-        <p:nvSpPr>
-          <p:cNvPr id="2" name="投影片編號版面配置區 1"/>
-          <p:cNvSpPr>
-            <a:spLocks noGrp="1"/>
-          </p:cNvSpPr>
-          <p:nvPr>
-            <p:ph type="sldNum" sz="quarter" idx="4"/>
-          </p:nvPr>
-        </p:nvSpPr>
-        <p:spPr/>
-        <p:txBody>
-          <a:bodyPr/>
-          <a:lstStyle/>
-          <a:p>
-            <a:fld id="{6F0746BA-D1AA-4FF4-8D48-BDBC7FF48778}" type="slidenum">
-              <a:rPr lang="fr-FR" smtClean="0"/>
-              <a:t>2</a:t>
-            </a:fld>
-            <a:endParaRPr lang="fr-FR"/>
-          </a:p>
-        </p:txBody>
-      </p:sp>
-      <p:pic>
-        <p:nvPicPr>
-          <p:cNvPr id="3" name="圖片 2"/>
-          <p:cNvPicPr>
-            <a:picLocks noChangeAspect="1"/>
-          </p:cNvPicPr>
-          <p:nvPr/>
-        </p:nvPicPr>
-        <p:blipFill>
-          <a:blip r:embed="rId2">
-            <a:clrChange>
-              <a:clrFrom>
-                <a:srgbClr val="FFFFFF"/>
-              </a:clrFrom>
-              <a:clrTo>
-                <a:srgbClr val="FFFFFF">
-                  <a:alpha val="0"/>
-                </a:srgbClr>
-              </a:clrTo>
-            </a:clrChange>
-          </a:blip>
-          <a:stretch>
-            <a:fillRect/>
-          </a:stretch>
-        </p:blipFill>
-        <p:spPr>
-          <a:xfrm>
-            <a:off x="0" y="0"/>
-            <a:ext cx="12192000" cy="3720636"/>
-          </a:xfrm>
-          <a:prstGeom prst="rect">
-            <a:avLst/>
-          </a:prstGeom>
-        </p:spPr>
-      </p:pic>
-    </p:spTree>
-    <p:extLst>
-      <p:ext uri="{BB962C8B-B14F-4D97-AF65-F5344CB8AC3E}">
-        <p14:creationId xmlns:p14="http://schemas.microsoft.com/office/powerpoint/2010/main" val="3168804927"/>
-      </p:ext>
-    </p:extLst>
-  </p:cSld>
-  <p:clrMapOvr>
-    <a:masterClrMapping/>
-  </p:clrMapOvr>
-  <mc:AlternateContent xmlns:mc="http://schemas.openxmlformats.org/markup-compatibility/2006" xmlns:p14="http://schemas.microsoft.com/office/powerpoint/2010/main">
-    <mc:Choice Requires="p14">
-      <p:transition spd="med" p14:dur="700">
-        <p:fade/>
-      </p:transition>
-    </mc:Choice>
-    <mc:Fallback xmlns="">
-      <p:transition spd="med">
-        <p:fade/>
-      </p:transition>
-    </mc:Fallback>
-  </mc:AlternateContent>
-  <p:timing>
-    <p:tnLst>
-      <p:par>
-        <p:cTn id="1" dur="indefinite" restart="never" nodeType="tmRoot"/>
-      </p:par>
-    </p:tnLst>
-  </p:timing>
-</p:sld>
-</file>
-
-<file path=ppt/slides/slide3.xml><?xml version="1.0" encoding="utf-8"?>
-<p:sld xmlns:a="http://schemas.openxmlformats.org/drawingml/2006/main" xmlns:r="http://schemas.openxmlformats.org/officeDocument/2006/relationships" xmlns:p="http://schemas.openxmlformats.org/presentationml/2006/main">
-  <p:cSld>
-    <p:spTree>
-      <p:nvGrpSpPr>
-        <p:cNvPr id="1" name=""/>
-        <p:cNvGrpSpPr/>
-        <p:nvPr/>
-      </p:nvGrpSpPr>
-      <p:grpSpPr>
-        <a:xfrm>
-          <a:off x="0" y="0"/>
-          <a:ext cx="0" cy="0"/>
-          <a:chOff x="0" y="0"/>
-          <a:chExt cx="0" cy="0"/>
-        </a:xfrm>
-      </p:grpSpPr>
-      <p:sp>
-        <p:nvSpPr>
-          <p:cNvPr id="2" name="投影片編號版面配置區 1"/>
-          <p:cNvSpPr>
-            <a:spLocks noGrp="1"/>
-          </p:cNvSpPr>
-          <p:nvPr>
-            <p:ph type="sldNum" sz="quarter" idx="4"/>
-          </p:nvPr>
-        </p:nvSpPr>
-        <p:spPr/>
-        <p:txBody>
-          <a:bodyPr/>
-          <a:lstStyle/>
-          <a:p>
-            <a:fld id="{6F0746BA-D1AA-4FF4-8D48-BDBC7FF48778}" type="slidenum">
-              <a:rPr lang="fr-FR" smtClean="0"/>
-              <a:t>3</a:t>
-            </a:fld>
-            <a:endParaRPr lang="fr-FR"/>
-          </a:p>
-        </p:txBody>
-      </p:sp>
-      <p:pic>
-        <p:nvPicPr>
-          <p:cNvPr id="3" name="圖片 2"/>
-          <p:cNvPicPr>
-            <a:picLocks noChangeAspect="1"/>
-          </p:cNvPicPr>
-          <p:nvPr/>
-        </p:nvPicPr>
-        <p:blipFill>
-          <a:blip r:embed="rId2">
-            <a:clrChange>
-              <a:clrFrom>
-                <a:srgbClr val="FFFFFF"/>
-              </a:clrFrom>
-              <a:clrTo>
-                <a:srgbClr val="FFFFFF">
-                  <a:alpha val="0"/>
-                </a:srgbClr>
-              </a:clrTo>
-            </a:clrChange>
-          </a:blip>
-          <a:stretch>
-            <a:fillRect/>
-          </a:stretch>
-        </p:blipFill>
-        <p:spPr>
-          <a:xfrm>
-            <a:off x="839788" y="0"/>
-            <a:ext cx="9837080" cy="6858000"/>
-          </a:xfrm>
-          <a:prstGeom prst="rect">
-            <a:avLst/>
-          </a:prstGeom>
-        </p:spPr>
-      </p:pic>
-    </p:spTree>
-    <p:extLst>
-      <p:ext uri="{BB962C8B-B14F-4D97-AF65-F5344CB8AC3E}">
-        <p14:creationId xmlns:p14="http://schemas.microsoft.com/office/powerpoint/2010/main" val="4158227797"/>
-      </p:ext>
-    </p:extLst>
-  </p:cSld>
-  <p:clrMapOvr>
-    <a:masterClrMapping/>
-  </p:clrMapOvr>
-  <mc:AlternateContent xmlns:mc="http://schemas.openxmlformats.org/markup-compatibility/2006" xmlns:p14="http://schemas.microsoft.com/office/powerpoint/2010/main">
-    <mc:Choice Requires="p14">
-      <p:transition spd="med" p14:dur="700">
-        <p:fade/>
-      </p:transition>
-    </mc:Choice>
-    <mc:Fallback xmlns="">
-      <p:transition spd="med">
-        <p:fade/>
-      </p:transition>
-    </mc:Fallback>
-  </mc:AlternateContent>
-  <p:timing>
-    <p:tnLst>
-      <p:par>
-        <p:cTn id="1" dur="indefinite" restart="never" nodeType="tmRoot"/>
-      </p:par>
-    </p:tnLst>
-  </p:timing>
-</p:sld>
-</file>
-
-<file path=ppt/slides/slide4.xml><?xml version="1.0" encoding="utf-8"?>
-<p:sld xmlns:a="http://schemas.openxmlformats.org/drawingml/2006/main" xmlns:r="http://schemas.openxmlformats.org/officeDocument/2006/relationships" xmlns:p="http://schemas.openxmlformats.org/presentationml/2006/main">
-  <p:cSld>
-    <p:spTree>
-      <p:nvGrpSpPr>
-        <p:cNvPr id="1" name=""/>
-        <p:cNvGrpSpPr/>
-        <p:nvPr/>
-      </p:nvGrpSpPr>
-      <p:grpSpPr>
-        <a:xfrm>
-          <a:off x="0" y="0"/>
-          <a:ext cx="0" cy="0"/>
-          <a:chOff x="0" y="0"/>
-          <a:chExt cx="0" cy="0"/>
-        </a:xfrm>
-      </p:grpSpPr>
-      <p:sp>
-        <p:nvSpPr>
-          <p:cNvPr id="2" name="投影片編號版面配置區 1"/>
-          <p:cNvSpPr>
-            <a:spLocks noGrp="1"/>
-          </p:cNvSpPr>
-          <p:nvPr>
-            <p:ph type="sldNum" sz="quarter" idx="4"/>
-          </p:nvPr>
-        </p:nvSpPr>
-        <p:spPr/>
-        <p:txBody>
-          <a:bodyPr/>
-          <a:lstStyle/>
-          <a:p>
-            <a:fld id="{6F0746BA-D1AA-4FF4-8D48-BDBC7FF48778}" type="slidenum">
-              <a:rPr lang="fr-FR" smtClean="0"/>
-              <a:t>4</a:t>
-            </a:fld>
-            <a:endParaRPr lang="fr-FR"/>
-          </a:p>
-        </p:txBody>
-      </p:sp>
-      <p:pic>
-        <p:nvPicPr>
-          <p:cNvPr id="3" name="圖片 2"/>
-          <p:cNvPicPr>
-            <a:picLocks noChangeAspect="1"/>
-          </p:cNvPicPr>
-          <p:nvPr/>
-        </p:nvPicPr>
-        <p:blipFill>
-          <a:blip r:embed="rId2">
-            <a:clrChange>
-              <a:clrFrom>
-                <a:srgbClr val="FFFFFF"/>
-              </a:clrFrom>
-              <a:clrTo>
-                <a:srgbClr val="FFFFFF">
-                  <a:alpha val="0"/>
-                </a:srgbClr>
-              </a:clrTo>
-            </a:clrChange>
-          </a:blip>
-          <a:stretch>
-            <a:fillRect/>
-          </a:stretch>
-        </p:blipFill>
-        <p:spPr>
-          <a:xfrm>
-            <a:off x="0" y="0"/>
-            <a:ext cx="12192000" cy="4819915"/>
-          </a:xfrm>
-          <a:prstGeom prst="rect">
-            <a:avLst/>
-          </a:prstGeom>
-        </p:spPr>
-      </p:pic>
-    </p:spTree>
-    <p:extLst>
-      <p:ext uri="{BB962C8B-B14F-4D97-AF65-F5344CB8AC3E}">
-        <p14:creationId xmlns:p14="http://schemas.microsoft.com/office/powerpoint/2010/main" val="3924473621"/>
-      </p:ext>
-    </p:extLst>
-  </p:cSld>
-  <p:clrMapOvr>
-    <a:masterClrMapping/>
-  </p:clrMapOvr>
-  <mc:AlternateContent xmlns:mc="http://schemas.openxmlformats.org/markup-compatibility/2006" xmlns:p14="http://schemas.microsoft.com/office/powerpoint/2010/main">
-    <mc:Choice Requires="p14">
-      <p:transition spd="med" p14:dur="700">
-        <p:fade/>
-      </p:transition>
-    </mc:Choice>
-    <mc:Fallback xmlns="">
-      <p:transition spd="med">
-        <p:fade/>
-      </p:transition>
-    </mc:Fallback>
-  </mc:AlternateContent>
-  <p:timing>
-    <p:tnLst>
-      <p:par>
-        <p:cTn id="1" dur="indefinite" restart="never" nodeType="tmRoot"/>
-      </p:par>
-    </p:tnLst>
-  </p:timing>
-</p:sld>
-</file>
-
-<file path=ppt/slides/slide5.xml><?xml version="1.0" encoding="utf-8"?>
-<p:sld xmlns:a="http://schemas.openxmlformats.org/drawingml/2006/main" xmlns:r="http://schemas.openxmlformats.org/officeDocument/2006/relationships" xmlns:p="http://schemas.openxmlformats.org/presentationml/2006/main">
-  <p:cSld>
-    <p:spTree>
-      <p:nvGrpSpPr>
-        <p:cNvPr id="1" name=""/>
-        <p:cNvGrpSpPr/>
-        <p:nvPr/>
-      </p:nvGrpSpPr>
-      <p:grpSpPr>
-        <a:xfrm>
-          <a:off x="0" y="0"/>
-          <a:ext cx="0" cy="0"/>
-          <a:chOff x="0" y="0"/>
-          <a:chExt cx="0" cy="0"/>
-        </a:xfrm>
-      </p:grpSpPr>
-      <p:sp>
-        <p:nvSpPr>
-          <p:cNvPr id="2" name="投影片編號版面配置區 1"/>
-          <p:cNvSpPr>
-            <a:spLocks noGrp="1"/>
-          </p:cNvSpPr>
-          <p:nvPr>
-            <p:ph type="sldNum" sz="quarter" idx="4"/>
-          </p:nvPr>
-        </p:nvSpPr>
-        <p:spPr/>
-        <p:txBody>
-          <a:bodyPr/>
-          <a:lstStyle/>
-          <a:p>
-            <a:fld id="{6F0746BA-D1AA-4FF4-8D48-BDBC7FF48778}" type="slidenum">
-              <a:rPr lang="fr-FR" smtClean="0"/>
-              <a:t>5</a:t>
-            </a:fld>
-            <a:endParaRPr lang="fr-FR"/>
-          </a:p>
-        </p:txBody>
-      </p:sp>
-      <p:pic>
-        <p:nvPicPr>
-          <p:cNvPr id="3" name="圖片 2"/>
-          <p:cNvPicPr>
-            <a:picLocks noChangeAspect="1"/>
-          </p:cNvPicPr>
-          <p:nvPr/>
-        </p:nvPicPr>
-        <p:blipFill>
-          <a:blip r:embed="rId2">
-            <a:clrChange>
-              <a:clrFrom>
-                <a:srgbClr val="FFFFFF"/>
-              </a:clrFrom>
-              <a:clrTo>
-                <a:srgbClr val="FFFFFF">
-                  <a:alpha val="0"/>
-                </a:srgbClr>
-              </a:clrTo>
-            </a:clrChange>
-          </a:blip>
-          <a:stretch>
-            <a:fillRect/>
-          </a:stretch>
-        </p:blipFill>
-        <p:spPr>
-          <a:xfrm>
-            <a:off x="1" y="0"/>
-            <a:ext cx="12192000" cy="2888990"/>
-          </a:xfrm>
-          <a:prstGeom prst="rect">
-            <a:avLst/>
-          </a:prstGeom>
-        </p:spPr>
-      </p:pic>
-    </p:spTree>
-    <p:extLst>
-      <p:ext uri="{BB962C8B-B14F-4D97-AF65-F5344CB8AC3E}">
-        <p14:creationId xmlns:p14="http://schemas.microsoft.com/office/powerpoint/2010/main" val="1449416297"/>
-      </p:ext>
-    </p:extLst>
-  </p:cSld>
-  <p:clrMapOvr>
-    <a:masterClrMapping/>
-  </p:clrMapOvr>
-  <mc:AlternateContent xmlns:mc="http://schemas.openxmlformats.org/markup-compatibility/2006" xmlns:p14="http://schemas.microsoft.com/office/powerpoint/2010/main">
-    <mc:Choice Requires="p14">
-      <p:transition spd="med" p14:dur="700">
-        <p:fade/>
-      </p:transition>
-    </mc:Choice>
-    <mc:Fallback xmlns="">
-      <p:transition spd="med">
-        <p:fade/>
-      </p:transition>
-    </mc:Fallback>
-  </mc:AlternateContent>
-  <p:timing>
-    <p:tnLst>
-      <p:par>
-        <p:cTn id="1" dur="indefinite" restart="never" nodeType="tmRoot"/>
-      </p:par>
-    </p:tnLst>
-  </p:timing>
-</p:sld>
-</file>
-
-<file path=ppt/slides/slide6.xml><?xml version="1.0" encoding="utf-8"?>
-<p:sld xmlns:a="http://schemas.openxmlformats.org/drawingml/2006/main" xmlns:r="http://schemas.openxmlformats.org/officeDocument/2006/relationships" xmlns:p="http://schemas.openxmlformats.org/presentationml/2006/main">
-  <p:cSld>
-    <p:spTree>
-      <p:nvGrpSpPr>
-        <p:cNvPr id="1" name=""/>
-        <p:cNvGrpSpPr/>
-        <p:nvPr/>
-      </p:nvGrpSpPr>
-      <p:grpSpPr>
-        <a:xfrm>
-          <a:off x="0" y="0"/>
-          <a:ext cx="0" cy="0"/>
-          <a:chOff x="0" y="0"/>
-          <a:chExt cx="0" cy="0"/>
-        </a:xfrm>
-      </p:grpSpPr>
-      <p:sp>
-        <p:nvSpPr>
-          <p:cNvPr id="5" name="文字版面配置區 4"/>
-          <p:cNvSpPr>
-            <a:spLocks noGrp="1"/>
-          </p:cNvSpPr>
-          <p:nvPr>
-            <p:ph type="body" sz="quarter" idx="10"/>
-          </p:nvPr>
-        </p:nvSpPr>
-        <p:spPr/>
-        <p:txBody>
-          <a:bodyPr/>
-          <a:lstStyle/>
-          <a:p>
-            <a:r>
-              <a:rPr lang="en-US" altLang="zh-TW" dirty="0"/>
-              <a:t>Mu</a:t>
-            </a:r>
-            <a:endParaRPr lang="zh-TW" altLang="en-US" dirty="0"/>
-          </a:p>
-        </p:txBody>
-      </p:sp>
-      <p:sp>
-        <p:nvSpPr>
-          <p:cNvPr id="2" name="投影片編號版面配置區 1"/>
-          <p:cNvSpPr>
-            <a:spLocks noGrp="1"/>
-          </p:cNvSpPr>
-          <p:nvPr>
-            <p:ph type="sldNum" sz="quarter" idx="4"/>
-          </p:nvPr>
-        </p:nvSpPr>
-        <p:spPr/>
-        <p:txBody>
-          <a:bodyPr/>
-          <a:lstStyle/>
-          <a:p>
-            <a:fld id="{6F0746BA-D1AA-4FF4-8D48-BDBC7FF48778}" type="slidenum">
-              <a:rPr lang="fr-FR" smtClean="0"/>
-              <a:t>6</a:t>
-            </a:fld>
-            <a:endParaRPr lang="fr-FR" dirty="0"/>
-          </a:p>
-        </p:txBody>
-      </p:sp>
-      <p:pic>
-        <p:nvPicPr>
-          <p:cNvPr id="3" name="圖片 2"/>
-          <p:cNvPicPr>
-            <a:picLocks noChangeAspect="1"/>
-          </p:cNvPicPr>
-          <p:nvPr/>
-        </p:nvPicPr>
-        <p:blipFill>
-          <a:blip r:embed="rId2">
-            <a:clrChange>
-              <a:clrFrom>
-                <a:srgbClr val="FFFFFF"/>
-              </a:clrFrom>
-              <a:clrTo>
-                <a:srgbClr val="FFFFFF">
-                  <a:alpha val="0"/>
-                </a:srgbClr>
-              </a:clrTo>
-            </a:clrChange>
-            <a:extLst>
-              <a:ext uri="{28A0092B-C50C-407E-A947-70E740481C1C}">
-                <a14:useLocalDpi xmlns:a14="http://schemas.microsoft.com/office/drawing/2010/main" val="0"/>
-              </a:ext>
-            </a:extLst>
-          </a:blip>
-          <a:stretch>
-            <a:fillRect/>
-          </a:stretch>
-        </p:blipFill>
-        <p:spPr>
-          <a:xfrm>
-            <a:off x="243707" y="1704055"/>
-            <a:ext cx="5852172" cy="4379985"/>
-          </a:xfrm>
-          <a:prstGeom prst="rect">
-            <a:avLst/>
-          </a:prstGeom>
-        </p:spPr>
-      </p:pic>
-      <p:pic>
-        <p:nvPicPr>
-          <p:cNvPr id="4" name="圖片 3"/>
-          <p:cNvPicPr>
-            <a:picLocks noChangeAspect="1"/>
-          </p:cNvPicPr>
-          <p:nvPr/>
-        </p:nvPicPr>
-        <p:blipFill>
-          <a:blip r:embed="rId3">
-            <a:clrChange>
-              <a:clrFrom>
-                <a:srgbClr val="FFFFFF"/>
-              </a:clrFrom>
-              <a:clrTo>
-                <a:srgbClr val="FFFFFF">
-                  <a:alpha val="0"/>
-                </a:srgbClr>
-              </a:clrTo>
-            </a:clrChange>
-            <a:extLst>
-              <a:ext uri="{28A0092B-C50C-407E-A947-70E740481C1C}">
-                <a14:useLocalDpi xmlns:a14="http://schemas.microsoft.com/office/drawing/2010/main" val="0"/>
-              </a:ext>
-            </a:extLst>
-          </a:blip>
-          <a:stretch>
-            <a:fillRect/>
-          </a:stretch>
-        </p:blipFill>
-        <p:spPr>
-          <a:xfrm>
-            <a:off x="6106514" y="1704053"/>
-            <a:ext cx="5852172" cy="4379985"/>
-          </a:xfrm>
-          <a:prstGeom prst="rect">
-            <a:avLst/>
-          </a:prstGeom>
-        </p:spPr>
-      </p:pic>
-      <p:sp>
-        <p:nvSpPr>
-          <p:cNvPr id="11" name="文字方塊 10"/>
-          <p:cNvSpPr txBox="1"/>
-          <p:nvPr/>
-        </p:nvSpPr>
-        <p:spPr>
-          <a:xfrm>
-            <a:off x="561097" y="1565915"/>
-            <a:ext cx="5217390" cy="494431"/>
-          </a:xfrm>
-          <a:prstGeom prst="rect">
-            <a:avLst/>
-          </a:prstGeom>
-          <a:noFill/>
-        </p:spPr>
-        <p:txBody>
-          <a:bodyPr wrap="none" lIns="0" rtlCol="0" anchor="t">
-            <a:spAutoFit/>
-          </a:bodyPr>
-          <a:lstStyle/>
-          <a:p>
-            <a:pPr>
-              <a:lnSpc>
-                <a:spcPct val="120000"/>
-              </a:lnSpc>
-            </a:pPr>
-            <a:r>
-              <a:rPr lang="en-US" altLang="zh-TW" sz="2400" dirty="0">
-                <a:latin typeface="Segoe UI Light" panose="020B0502040204020203" pitchFamily="34" charset="0"/>
-                <a:cs typeface="Segoe UI Light" panose="020B0502040204020203" pitchFamily="34" charset="0"/>
-              </a:rPr>
-              <a:t>Consider </a:t>
-            </a:r>
-            <a:r>
-              <a:rPr lang="en-US" altLang="zh-TW" sz="2400" dirty="0">
-                <a:solidFill>
-                  <a:schemeClr val="accent1"/>
-                </a:solidFill>
-                <a:latin typeface="Segoe UI Light" panose="020B0502040204020203" pitchFamily="34" charset="0"/>
-                <a:cs typeface="Segoe UI Light" panose="020B0502040204020203" pitchFamily="34" charset="0"/>
-              </a:rPr>
-              <a:t>Hundreds Of Combo </a:t>
-            </a:r>
-            <a:r>
-              <a:rPr lang="en-US" altLang="zh-TW" sz="2400" dirty="0">
-                <a:latin typeface="Segoe UI Light" panose="020B0502040204020203" pitchFamily="34" charset="0"/>
-                <a:cs typeface="Segoe UI Light" panose="020B0502040204020203" pitchFamily="34" charset="0"/>
-              </a:rPr>
-              <a:t>Demand</a:t>
-            </a:r>
-            <a:endParaRPr lang="zh-TW" altLang="en-US" sz="2400" dirty="0">
-              <a:latin typeface="Segoe UI Light" panose="020B0502040204020203" pitchFamily="34" charset="0"/>
-              <a:cs typeface="Segoe UI Light" panose="020B0502040204020203" pitchFamily="34" charset="0"/>
-            </a:endParaRPr>
-          </a:p>
-        </p:txBody>
-      </p:sp>
-      <p:sp>
-        <p:nvSpPr>
-          <p:cNvPr id="12" name="文字方塊 11"/>
-          <p:cNvSpPr txBox="1"/>
-          <p:nvPr/>
-        </p:nvSpPr>
-        <p:spPr>
-          <a:xfrm>
-            <a:off x="7026762" y="1565914"/>
-            <a:ext cx="4011676" cy="494431"/>
-          </a:xfrm>
-          <a:prstGeom prst="rect">
-            <a:avLst/>
-          </a:prstGeom>
-          <a:noFill/>
-        </p:spPr>
-        <p:txBody>
-          <a:bodyPr wrap="none" lIns="0" rtlCol="0" anchor="t">
-            <a:spAutoFit/>
-          </a:bodyPr>
-          <a:lstStyle/>
-          <a:p>
-            <a:pPr>
-              <a:lnSpc>
-                <a:spcPct val="120000"/>
-              </a:lnSpc>
-            </a:pPr>
-            <a:r>
-              <a:rPr lang="en-US" altLang="zh-TW" sz="2400" dirty="0">
-                <a:latin typeface="Segoe UI Light" panose="020B0502040204020203" pitchFamily="34" charset="0"/>
-                <a:cs typeface="Segoe UI Light" panose="020B0502040204020203" pitchFamily="34" charset="0"/>
-              </a:rPr>
-              <a:t>Catch </a:t>
-            </a:r>
-            <a:r>
-              <a:rPr lang="en-US" altLang="zh-TW" sz="2400" dirty="0">
-                <a:solidFill>
-                  <a:schemeClr val="accent1"/>
-                </a:solidFill>
-                <a:latin typeface="Segoe UI Light" panose="020B0502040204020203" pitchFamily="34" charset="0"/>
-                <a:cs typeface="Segoe UI Light" panose="020B0502040204020203" pitchFamily="34" charset="0"/>
-              </a:rPr>
-              <a:t>Critical</a:t>
-            </a:r>
-            <a:r>
-              <a:rPr lang="en-US" altLang="zh-TW" sz="2400" dirty="0">
-                <a:latin typeface="Segoe UI Light" panose="020B0502040204020203" pitchFamily="34" charset="0"/>
-                <a:cs typeface="Segoe UI Light" panose="020B0502040204020203" pitchFamily="34" charset="0"/>
-              </a:rPr>
-              <a:t> Demand Combo</a:t>
-            </a:r>
-            <a:endParaRPr lang="zh-TW" altLang="en-US" sz="2400" dirty="0">
-              <a:latin typeface="Segoe UI Light" panose="020B0502040204020203" pitchFamily="34" charset="0"/>
-              <a:cs typeface="Segoe UI Light" panose="020B0502040204020203" pitchFamily="34" charset="0"/>
-            </a:endParaRPr>
-          </a:p>
-        </p:txBody>
-      </p:sp>
-      <p:cxnSp>
-        <p:nvCxnSpPr>
-          <p:cNvPr id="14" name="直線單箭頭接點 13"/>
-          <p:cNvCxnSpPr/>
-          <p:nvPr/>
-        </p:nvCxnSpPr>
-        <p:spPr>
-          <a:xfrm>
-            <a:off x="5638603" y="3894047"/>
-            <a:ext cx="457276" cy="1"/>
-          </a:xfrm>
-          <a:prstGeom prst="straightConnector1">
-            <a:avLst/>
-          </a:prstGeom>
-          <a:ln>
-            <a:solidFill>
-              <a:schemeClr val="tx1"/>
-            </a:solidFill>
-            <a:tailEnd type="triangle"/>
-          </a:ln>
-        </p:spPr>
-        <p:style>
-          <a:lnRef idx="1">
-            <a:schemeClr val="accent1"/>
-          </a:lnRef>
-          <a:fillRef idx="0">
-            <a:schemeClr val="accent1"/>
-          </a:fillRef>
-          <a:effectRef idx="0">
-            <a:schemeClr val="accent1"/>
-          </a:effectRef>
-          <a:fontRef idx="minor">
-            <a:schemeClr val="tx1"/>
-          </a:fontRef>
-        </p:style>
-      </p:cxnSp>
-      <p:pic>
-        <p:nvPicPr>
-          <p:cNvPr id="21" name="圖片 20"/>
-          <p:cNvPicPr>
-            <a:picLocks noChangeAspect="1"/>
-          </p:cNvPicPr>
-          <p:nvPr/>
-        </p:nvPicPr>
-        <p:blipFill>
-          <a:blip r:embed="rId4"/>
-          <a:stretch>
-            <a:fillRect/>
-          </a:stretch>
-        </p:blipFill>
-        <p:spPr>
-          <a:xfrm>
-            <a:off x="2821064" y="2550120"/>
-            <a:ext cx="1633120" cy="1301393"/>
-          </a:xfrm>
-          <a:prstGeom prst="rect">
-            <a:avLst/>
-          </a:prstGeom>
-        </p:spPr>
-      </p:pic>
-      <p:sp>
-        <p:nvSpPr>
-          <p:cNvPr id="6" name="文字方塊 5"/>
-          <p:cNvSpPr txBox="1"/>
-          <p:nvPr/>
-        </p:nvSpPr>
-        <p:spPr>
-          <a:xfrm>
-            <a:off x="2542700" y="5826304"/>
-            <a:ext cx="1081386" cy="393890"/>
-          </a:xfrm>
-          <a:prstGeom prst="rect">
-            <a:avLst/>
-          </a:prstGeom>
-          <a:solidFill>
-            <a:srgbClr val="F7F7F7"/>
-          </a:solidFill>
-        </p:spPr>
-        <p:txBody>
-          <a:bodyPr wrap="none" lIns="0" rtlCol="0" anchor="t">
-            <a:spAutoFit/>
-          </a:bodyPr>
-          <a:lstStyle/>
-          <a:p>
-            <a:pPr algn="l">
-              <a:lnSpc>
-                <a:spcPct val="120000"/>
-              </a:lnSpc>
-            </a:pPr>
-            <a:r>
-              <a:rPr lang="en-US" altLang="zh-TW" dirty="0">
-                <a:latin typeface="Segoe UI Light" panose="020B0502040204020203" pitchFamily="34" charset="0"/>
-                <a:cs typeface="Segoe UI Light" panose="020B0502040204020203" pitchFamily="34" charset="0"/>
-              </a:rPr>
-              <a:t>Length(m)</a:t>
-            </a:r>
-            <a:endParaRPr lang="zh-TW" altLang="en-US" dirty="0">
-              <a:latin typeface="Segoe UI Light" panose="020B0502040204020203" pitchFamily="34" charset="0"/>
-              <a:cs typeface="Segoe UI Light" panose="020B0502040204020203" pitchFamily="34" charset="0"/>
-            </a:endParaRPr>
-          </a:p>
-        </p:txBody>
-      </p:sp>
-      <p:sp>
-        <p:nvSpPr>
-          <p:cNvPr id="13" name="文字方塊 12"/>
-          <p:cNvSpPr txBox="1"/>
-          <p:nvPr/>
-        </p:nvSpPr>
-        <p:spPr>
-          <a:xfrm>
-            <a:off x="8491907" y="5826304"/>
-            <a:ext cx="1081386" cy="393890"/>
-          </a:xfrm>
-          <a:prstGeom prst="rect">
-            <a:avLst/>
-          </a:prstGeom>
-          <a:solidFill>
-            <a:srgbClr val="F7F7F7"/>
-          </a:solidFill>
-        </p:spPr>
-        <p:txBody>
-          <a:bodyPr wrap="none" lIns="0" rtlCol="0" anchor="t">
-            <a:spAutoFit/>
-          </a:bodyPr>
-          <a:lstStyle/>
-          <a:p>
-            <a:pPr algn="l">
-              <a:lnSpc>
-                <a:spcPct val="120000"/>
-              </a:lnSpc>
-            </a:pPr>
-            <a:r>
-              <a:rPr lang="en-US" altLang="zh-TW" dirty="0">
-                <a:latin typeface="Segoe UI Light" panose="020B0502040204020203" pitchFamily="34" charset="0"/>
-                <a:cs typeface="Segoe UI Light" panose="020B0502040204020203" pitchFamily="34" charset="0"/>
-              </a:rPr>
-              <a:t>Length(m)</a:t>
-            </a:r>
-            <a:endParaRPr lang="zh-TW" altLang="en-US" dirty="0">
-              <a:latin typeface="Segoe UI Light" panose="020B0502040204020203" pitchFamily="34" charset="0"/>
-              <a:cs typeface="Segoe UI Light" panose="020B0502040204020203" pitchFamily="34" charset="0"/>
-            </a:endParaRPr>
-          </a:p>
-        </p:txBody>
-      </p:sp>
-      <mc:AlternateContent xmlns:mc="http://schemas.openxmlformats.org/markup-compatibility/2006" xmlns:a14="http://schemas.microsoft.com/office/drawing/2010/main">
-        <mc:Choice Requires="a14">
-          <p:sp>
-            <p:nvSpPr>
-              <p:cNvPr id="7" name="文字方塊 6"/>
-              <p:cNvSpPr txBox="1"/>
-              <p:nvPr/>
-            </p:nvSpPr>
-            <p:spPr>
-              <a:xfrm>
-                <a:off x="60829" y="3729432"/>
-                <a:ext cx="998928" cy="424732"/>
-              </a:xfrm>
-              <a:prstGeom prst="rect">
-                <a:avLst/>
-              </a:prstGeom>
-              <a:solidFill>
-                <a:srgbClr val="F7F7F7"/>
-              </a:solidFill>
-            </p:spPr>
-            <p:txBody>
-              <a:bodyPr wrap="none" lIns="0" rtlCol="0" anchor="t">
-                <a:spAutoFit/>
-              </a:bodyPr>
-              <a:lstStyle/>
-              <a:p>
-                <a:pPr algn="l">
-                  <a:lnSpc>
-                    <a:spcPct val="120000"/>
-                  </a:lnSpc>
-                </a:pPr>
-                <a14:m>
-                  <m:oMathPara xmlns:m="http://schemas.openxmlformats.org/officeDocument/2006/math">
-                    <m:oMathParaPr>
-                      <m:jc m:val="centerGroup"/>
-                    </m:oMathParaPr>
-                    <m:oMath xmlns:m="http://schemas.openxmlformats.org/officeDocument/2006/math">
-                      <m:sSub>
-                        <m:sSubPr>
-                          <m:ctrlPr>
-                            <a:rPr lang="en-US" altLang="zh-TW" b="0" i="1" smtClean="0">
-                              <a:latin typeface="Cambria Math" panose="02040503050406030204" pitchFamily="18" charset="0"/>
-                              <a:cs typeface="Segoe UI Light" panose="020B0502040204020203" pitchFamily="34" charset="0"/>
-                            </a:rPr>
-                          </m:ctrlPr>
-                        </m:sSubPr>
-                        <m:e>
-                          <m:r>
-                            <a:rPr lang="en-US" altLang="zh-TW" b="0" i="1" smtClean="0">
-                              <a:latin typeface="Cambria Math" panose="02040503050406030204" pitchFamily="18" charset="0"/>
-                              <a:cs typeface="Segoe UI Light" panose="020B0502040204020203" pitchFamily="34" charset="0"/>
-                            </a:rPr>
-                            <m:t>𝐴</m:t>
-                          </m:r>
-                        </m:e>
-                        <m:sub>
-                          <m:r>
-                            <a:rPr lang="en-US" altLang="zh-TW" b="0" i="1" smtClean="0">
-                              <a:latin typeface="Cambria Math" panose="02040503050406030204" pitchFamily="18" charset="0"/>
-                              <a:cs typeface="Segoe UI Light" panose="020B0502040204020203" pitchFamily="34" charset="0"/>
-                            </a:rPr>
-                            <m:t>𝑠</m:t>
-                          </m:r>
-                        </m:sub>
-                      </m:sSub>
-                      <m:r>
-                        <a:rPr lang="en-US" altLang="zh-TW" b="0" i="1" smtClean="0">
-                          <a:latin typeface="Cambria Math" panose="02040503050406030204" pitchFamily="18" charset="0"/>
-                          <a:cs typeface="Segoe UI Light" panose="020B0502040204020203" pitchFamily="34" charset="0"/>
-                        </a:rPr>
-                        <m:t>(</m:t>
-                      </m:r>
-                      <m:sSup>
-                        <m:sSupPr>
-                          <m:ctrlPr>
-                            <a:rPr lang="en-US" altLang="zh-TW" b="0" i="1" smtClean="0">
-                              <a:latin typeface="Cambria Math" panose="02040503050406030204" pitchFamily="18" charset="0"/>
-                              <a:cs typeface="Segoe UI Light" panose="020B0502040204020203" pitchFamily="34" charset="0"/>
-                            </a:rPr>
-                          </m:ctrlPr>
-                        </m:sSupPr>
-                        <m:e>
-                          <m:r>
-                            <a:rPr lang="en-US" altLang="zh-TW" b="0" i="1" smtClean="0">
-                              <a:latin typeface="Cambria Math" panose="02040503050406030204" pitchFamily="18" charset="0"/>
-                              <a:cs typeface="Segoe UI Light" panose="020B0502040204020203" pitchFamily="34" charset="0"/>
-                            </a:rPr>
-                            <m:t>𝑐𝑚</m:t>
-                          </m:r>
-                        </m:e>
-                        <m:sup>
-                          <m:r>
-                            <a:rPr lang="en-US" altLang="zh-TW" b="0" i="1" smtClean="0">
-                              <a:latin typeface="Cambria Math" panose="02040503050406030204" pitchFamily="18" charset="0"/>
-                              <a:cs typeface="Segoe UI Light" panose="020B0502040204020203" pitchFamily="34" charset="0"/>
-                            </a:rPr>
-                            <m:t>2</m:t>
-                          </m:r>
-                        </m:sup>
-                      </m:sSup>
-                      <m:r>
-                        <a:rPr lang="en-US" altLang="zh-TW" b="0" i="1" smtClean="0">
-                          <a:latin typeface="Cambria Math" panose="02040503050406030204" pitchFamily="18" charset="0"/>
-                          <a:cs typeface="Segoe UI Light" panose="020B0502040204020203" pitchFamily="34" charset="0"/>
-                        </a:rPr>
-                        <m:t>)</m:t>
-                      </m:r>
-                    </m:oMath>
-                  </m:oMathPara>
-                </a14:m>
-                <a:endParaRPr lang="zh-TW" altLang="en-US" dirty="0">
-                  <a:latin typeface="Segoe UI Light" panose="020B0502040204020203" pitchFamily="34" charset="0"/>
-                  <a:cs typeface="Segoe UI Light" panose="020B0502040204020203" pitchFamily="34" charset="0"/>
-                </a:endParaRPr>
-              </a:p>
-            </p:txBody>
-          </p:sp>
-        </mc:Choice>
-        <mc:Fallback xmlns="">
-          <p:sp>
-            <p:nvSpPr>
-              <p:cNvPr id="7" name="文字方塊 6"/>
-              <p:cNvSpPr txBox="1">
-                <a:spLocks noRot="1" noChangeAspect="1" noMove="1" noResize="1" noEditPoints="1" noAdjustHandles="1" noChangeArrowheads="1" noChangeShapeType="1" noTextEdit="1"/>
-              </p:cNvSpPr>
-              <p:nvPr/>
-            </p:nvSpPr>
-            <p:spPr>
-              <a:xfrm>
-                <a:off x="60829" y="3729432"/>
-                <a:ext cx="998928" cy="424732"/>
-              </a:xfrm>
-              <a:prstGeom prst="rect">
-                <a:avLst/>
-              </a:prstGeom>
-              <a:blipFill>
-                <a:blip r:embed="rId5"/>
-                <a:stretch>
-                  <a:fillRect l="-4878" b="-7246"/>
-                </a:stretch>
-              </a:blipFill>
-            </p:spPr>
-            <p:txBody>
-              <a:bodyPr/>
-              <a:lstStyle/>
-              <a:p>
-                <a:r>
-                  <a:rPr lang="zh-TW" altLang="en-US">
-                    <a:noFill/>
-                  </a:rPr>
-                  <a:t> </a:t>
-                </a:r>
-              </a:p>
-            </p:txBody>
-          </p:sp>
-        </mc:Fallback>
-      </mc:AlternateContent>
-      <mc:AlternateContent xmlns:mc="http://schemas.openxmlformats.org/markup-compatibility/2006" xmlns:a14="http://schemas.microsoft.com/office/drawing/2010/main">
-        <mc:Choice Requires="a14">
-          <p:sp>
-            <p:nvSpPr>
-              <p:cNvPr id="22" name="文字方塊 21"/>
-              <p:cNvSpPr txBox="1"/>
-              <p:nvPr/>
-            </p:nvSpPr>
-            <p:spPr>
-              <a:xfrm>
-                <a:off x="6278757" y="3729432"/>
-                <a:ext cx="998927" cy="424732"/>
-              </a:xfrm>
-              <a:prstGeom prst="rect">
-                <a:avLst/>
-              </a:prstGeom>
-              <a:solidFill>
-                <a:srgbClr val="F7F7F7"/>
-              </a:solidFill>
-            </p:spPr>
-            <p:txBody>
-              <a:bodyPr wrap="none" lIns="0" rtlCol="0" anchor="t">
-                <a:spAutoFit/>
-              </a:bodyPr>
-              <a:lstStyle/>
-              <a:p>
-                <a:pPr algn="l">
-                  <a:lnSpc>
-                    <a:spcPct val="120000"/>
-                  </a:lnSpc>
-                </a:pPr>
-                <a14:m>
-                  <m:oMathPara xmlns:m="http://schemas.openxmlformats.org/officeDocument/2006/math">
-                    <m:oMathParaPr>
-                      <m:jc m:val="centerGroup"/>
-                    </m:oMathParaPr>
-                    <m:oMath xmlns:m="http://schemas.openxmlformats.org/officeDocument/2006/math">
-                      <m:sSub>
-                        <m:sSubPr>
-                          <m:ctrlPr>
-                            <a:rPr lang="en-US" altLang="zh-TW" b="0" i="1" smtClean="0">
-                              <a:latin typeface="Cambria Math" panose="02040503050406030204" pitchFamily="18" charset="0"/>
-                              <a:cs typeface="Segoe UI Light" panose="020B0502040204020203" pitchFamily="34" charset="0"/>
-                            </a:rPr>
-                          </m:ctrlPr>
-                        </m:sSubPr>
-                        <m:e>
-                          <m:r>
-                            <a:rPr lang="en-US" altLang="zh-TW" b="0" i="1" smtClean="0">
-                              <a:latin typeface="Cambria Math" panose="02040503050406030204" pitchFamily="18" charset="0"/>
-                              <a:cs typeface="Segoe UI Light" panose="020B0502040204020203" pitchFamily="34" charset="0"/>
-                            </a:rPr>
-                            <m:t>𝐴</m:t>
-                          </m:r>
-                        </m:e>
-                        <m:sub>
-                          <m:r>
-                            <a:rPr lang="en-US" altLang="zh-TW" b="0" i="1" smtClean="0">
-                              <a:latin typeface="Cambria Math" panose="02040503050406030204" pitchFamily="18" charset="0"/>
-                              <a:cs typeface="Segoe UI Light" panose="020B0502040204020203" pitchFamily="34" charset="0"/>
-                            </a:rPr>
-                            <m:t>𝑠</m:t>
-                          </m:r>
-                        </m:sub>
-                      </m:sSub>
-                      <m:r>
-                        <a:rPr lang="en-US" altLang="zh-TW" b="0" i="1" smtClean="0">
-                          <a:latin typeface="Cambria Math" panose="02040503050406030204" pitchFamily="18" charset="0"/>
-                          <a:cs typeface="Segoe UI Light" panose="020B0502040204020203" pitchFamily="34" charset="0"/>
-                        </a:rPr>
-                        <m:t>(</m:t>
-                      </m:r>
-                      <m:sSup>
-                        <m:sSupPr>
-                          <m:ctrlPr>
-                            <a:rPr lang="en-US" altLang="zh-TW" b="0" i="1" smtClean="0">
-                              <a:latin typeface="Cambria Math" panose="02040503050406030204" pitchFamily="18" charset="0"/>
-                              <a:cs typeface="Segoe UI Light" panose="020B0502040204020203" pitchFamily="34" charset="0"/>
-                            </a:rPr>
-                          </m:ctrlPr>
-                        </m:sSupPr>
-                        <m:e>
-                          <m:r>
-                            <a:rPr lang="en-US" altLang="zh-TW" b="0" i="1" smtClean="0">
-                              <a:latin typeface="Cambria Math" panose="02040503050406030204" pitchFamily="18" charset="0"/>
-                              <a:cs typeface="Segoe UI Light" panose="020B0502040204020203" pitchFamily="34" charset="0"/>
-                            </a:rPr>
-                            <m:t>𝑐𝑚</m:t>
-                          </m:r>
-                        </m:e>
-                        <m:sup>
-                          <m:r>
-                            <a:rPr lang="en-US" altLang="zh-TW" b="0" i="1" smtClean="0">
-                              <a:latin typeface="Cambria Math" panose="02040503050406030204" pitchFamily="18" charset="0"/>
-                              <a:cs typeface="Segoe UI Light" panose="020B0502040204020203" pitchFamily="34" charset="0"/>
-                            </a:rPr>
-                            <m:t>2</m:t>
-                          </m:r>
-                        </m:sup>
-                      </m:sSup>
-                      <m:r>
-                        <a:rPr lang="en-US" altLang="zh-TW" b="0" i="1" smtClean="0">
-                          <a:latin typeface="Cambria Math" panose="02040503050406030204" pitchFamily="18" charset="0"/>
-                          <a:cs typeface="Segoe UI Light" panose="020B0502040204020203" pitchFamily="34" charset="0"/>
-                        </a:rPr>
-                        <m:t>)</m:t>
-                      </m:r>
-                    </m:oMath>
-                  </m:oMathPara>
-                </a14:m>
-                <a:endParaRPr lang="zh-TW" altLang="en-US" dirty="0">
-                  <a:latin typeface="Segoe UI Light" panose="020B0502040204020203" pitchFamily="34" charset="0"/>
-                  <a:cs typeface="Segoe UI Light" panose="020B0502040204020203" pitchFamily="34" charset="0"/>
-                </a:endParaRPr>
-              </a:p>
-            </p:txBody>
-          </p:sp>
-        </mc:Choice>
-        <mc:Fallback xmlns="">
-          <p:sp>
-            <p:nvSpPr>
-              <p:cNvPr id="22" name="文字方塊 21"/>
-              <p:cNvSpPr txBox="1">
-                <a:spLocks noRot="1" noChangeAspect="1" noMove="1" noResize="1" noEditPoints="1" noAdjustHandles="1" noChangeArrowheads="1" noChangeShapeType="1" noTextEdit="1"/>
-              </p:cNvSpPr>
-              <p:nvPr/>
-            </p:nvSpPr>
-            <p:spPr>
-              <a:xfrm>
-                <a:off x="6278757" y="3729432"/>
-                <a:ext cx="998927" cy="424732"/>
-              </a:xfrm>
-              <a:prstGeom prst="rect">
-                <a:avLst/>
-              </a:prstGeom>
-              <a:blipFill>
-                <a:blip r:embed="rId6"/>
-                <a:stretch>
-                  <a:fillRect l="-4878" b="-7246"/>
-                </a:stretch>
-              </a:blipFill>
-            </p:spPr>
-            <p:txBody>
-              <a:bodyPr/>
-              <a:lstStyle/>
-              <a:p>
-                <a:r>
-                  <a:rPr lang="zh-TW" altLang="en-US">
-                    <a:noFill/>
-                  </a:rPr>
-                  <a:t> </a:t>
-                </a:r>
-              </a:p>
-            </p:txBody>
-          </p:sp>
-        </mc:Fallback>
-      </mc:AlternateContent>
-    </p:spTree>
-    <p:extLst>
-      <p:ext uri="{BB962C8B-B14F-4D97-AF65-F5344CB8AC3E}">
-        <p14:creationId xmlns:p14="http://schemas.microsoft.com/office/powerpoint/2010/main" val="3853354952"/>
-      </p:ext>
-    </p:extLst>
-  </p:cSld>
-  <p:clrMapOvr>
-    <a:masterClrMapping/>
-  </p:clrMapOvr>
-  <mc:AlternateContent xmlns:mc="http://schemas.openxmlformats.org/markup-compatibility/2006" xmlns:p14="http://schemas.microsoft.com/office/powerpoint/2010/main">
-    <mc:Choice Requires="p14">
-      <p:transition spd="med" p14:dur="700">
-        <p:fade/>
-      </p:transition>
-    </mc:Choice>
-    <mc:Fallback xmlns="">
-      <p:transition spd="med">
-        <p:fade/>
-      </p:transition>
-    </mc:Fallback>
-  </mc:AlternateContent>
-  <p:timing>
-    <p:tnLst>
-      <p:par>
-        <p:cTn id="1" dur="indefinite" restart="never" nodeType="tmRoot"/>
-      </p:par>
-    </p:tnLst>
-  </p:timing>
-</p:sld>
-</file>
-
-<file path=ppt/slides/slide7.xml><?xml version="1.0" encoding="utf-8"?>
-<p:sld xmlns:a="http://schemas.openxmlformats.org/drawingml/2006/main" xmlns:r="http://schemas.openxmlformats.org/officeDocument/2006/relationships" xmlns:p="http://schemas.openxmlformats.org/presentationml/2006/main">
-  <p:cSld>
-    <p:spTree>
-      <p:nvGrpSpPr>
-        <p:cNvPr id="1" name=""/>
-        <p:cNvGrpSpPr/>
-        <p:nvPr/>
-      </p:nvGrpSpPr>
-      <p:grpSpPr>
-        <a:xfrm>
-          <a:off x="0" y="0"/>
-          <a:ext cx="0" cy="0"/>
-          <a:chOff x="0" y="0"/>
-          <a:chExt cx="0" cy="0"/>
-        </a:xfrm>
-      </p:grpSpPr>
-      <p:sp>
-        <p:nvSpPr>
-          <p:cNvPr id="10" name="文字版面配置區 9"/>
-          <p:cNvSpPr>
-            <a:spLocks noGrp="1"/>
-          </p:cNvSpPr>
-          <p:nvPr>
-            <p:ph type="body" sz="quarter" idx="10"/>
-          </p:nvPr>
-        </p:nvSpPr>
-        <p:spPr>
-          <a:xfrm>
-            <a:off x="839787" y="660400"/>
-            <a:ext cx="5922519" cy="1311128"/>
-          </a:xfrm>
-        </p:spPr>
-        <p:txBody>
-          <a:bodyPr/>
-          <a:lstStyle/>
-          <a:p>
-            <a:r>
-              <a:rPr lang="en-US" altLang="zh-TW" dirty="0"/>
-              <a:t>Flexural Reinforcement</a:t>
-            </a:r>
-            <a:endParaRPr lang="zh-TW" altLang="en-US" dirty="0"/>
-          </a:p>
-        </p:txBody>
-      </p:sp>
-      <p:sp>
-        <p:nvSpPr>
-          <p:cNvPr id="2" name="投影片編號版面配置區 1"/>
-          <p:cNvSpPr>
-            <a:spLocks noGrp="1"/>
-          </p:cNvSpPr>
-          <p:nvPr>
-            <p:ph type="sldNum" sz="quarter" idx="4"/>
-          </p:nvPr>
-        </p:nvSpPr>
-        <p:spPr/>
-        <p:txBody>
-          <a:bodyPr/>
-          <a:lstStyle/>
-          <a:p>
-            <a:fld id="{6F0746BA-D1AA-4FF4-8D48-BDBC7FF48778}" type="slidenum">
-              <a:rPr lang="fr-FR" smtClean="0"/>
-              <a:t>7</a:t>
-            </a:fld>
-            <a:endParaRPr lang="fr-FR"/>
-          </a:p>
-        </p:txBody>
-      </p:sp>
-      <p:pic>
-        <p:nvPicPr>
-          <p:cNvPr id="12" name="圖片 11"/>
-          <p:cNvPicPr>
-            <a:picLocks noChangeAspect="1"/>
-          </p:cNvPicPr>
-          <p:nvPr/>
-        </p:nvPicPr>
-        <p:blipFill>
-          <a:blip r:embed="rId4">
-            <a:clrChange>
-              <a:clrFrom>
-                <a:srgbClr val="FFFFFF"/>
-              </a:clrFrom>
-              <a:clrTo>
-                <a:srgbClr val="FFFFFF">
-                  <a:alpha val="0"/>
-                </a:srgbClr>
-              </a:clrTo>
-            </a:clrChange>
-          </a:blip>
-          <a:stretch>
-            <a:fillRect/>
-          </a:stretch>
-        </p:blipFill>
-        <p:spPr>
-          <a:xfrm>
-            <a:off x="1426864" y="1960875"/>
-            <a:ext cx="3852709" cy="2408369"/>
-          </a:xfrm>
-          <a:prstGeom prst="rect">
-            <a:avLst/>
-          </a:prstGeom>
-        </p:spPr>
-      </p:pic>
-      <p:graphicFrame>
-        <p:nvGraphicFramePr>
-          <p:cNvPr id="3" name="物件 2">
-            <a:extLst>
-              <a:ext uri="{FF2B5EF4-FFF2-40B4-BE49-F238E27FC236}">
-                <a16:creationId xmlns:a16="http://schemas.microsoft.com/office/drawing/2014/main" id="{4C86971B-3ED9-46B4-B240-39706E97B301}"/>
-              </a:ext>
-            </a:extLst>
-          </p:cNvPr>
-          <p:cNvGraphicFramePr>
-            <a:graphicFrameLocks noChangeAspect="1"/>
-          </p:cNvGraphicFramePr>
-          <p:nvPr>
-            <p:extLst/>
-          </p:nvPr>
-        </p:nvGraphicFramePr>
-        <p:xfrm>
-          <a:off x="7032173" y="1971528"/>
-          <a:ext cx="2997200" cy="863600"/>
-        </p:xfrm>
-        <a:graphic>
-          <a:graphicData uri="http://schemas.openxmlformats.org/presentationml/2006/ole">
-            <mc:AlternateContent xmlns:mc="http://schemas.openxmlformats.org/markup-compatibility/2006">
-              <mc:Choice xmlns:v="urn:schemas-microsoft-com:vml" Requires="v">
-                <p:oleObj spid="_x0000_s1029" name="Equation" r:id="rId5" imgW="2997000" imgH="863280" progId="Equation.DSMT4">
-                  <p:embed/>
-                </p:oleObj>
-              </mc:Choice>
-              <mc:Fallback>
-                <p:oleObj name="Equation" r:id="rId5" imgW="2997000" imgH="863280" progId="Equation.DSMT4">
-                  <p:embed/>
-                  <p:pic>
-                    <p:nvPicPr>
-                      <p:cNvPr id="3" name="物件 2">
-                        <a:extLst>
-                          <a:ext uri="{FF2B5EF4-FFF2-40B4-BE49-F238E27FC236}">
-                            <a16:creationId xmlns:a16="http://schemas.microsoft.com/office/drawing/2014/main" id="{4C86971B-3ED9-46B4-B240-39706E97B301}"/>
-                          </a:ext>
-                        </a:extLst>
-                      </p:cNvPr>
-                      <p:cNvPicPr/>
-                      <p:nvPr/>
-                    </p:nvPicPr>
-                    <p:blipFill>
-                      <a:blip r:embed="rId6"/>
-                      <a:stretch>
-                        <a:fillRect/>
-                      </a:stretch>
-                    </p:blipFill>
-                    <p:spPr>
-                      <a:xfrm>
-                        <a:off x="7032173" y="1971528"/>
-                        <a:ext cx="2997200" cy="863600"/>
-                      </a:xfrm>
-                      <a:prstGeom prst="rect">
-                        <a:avLst/>
-                      </a:prstGeom>
-                    </p:spPr>
-                  </p:pic>
-                </p:oleObj>
-              </mc:Fallback>
-            </mc:AlternateContent>
-          </a:graphicData>
-        </a:graphic>
-      </p:graphicFrame>
-      <p:graphicFrame>
-        <p:nvGraphicFramePr>
-          <p:cNvPr id="4" name="物件 3">
-            <a:extLst>
-              <a:ext uri="{FF2B5EF4-FFF2-40B4-BE49-F238E27FC236}">
-                <a16:creationId xmlns:a16="http://schemas.microsoft.com/office/drawing/2014/main" id="{4257F66D-BBB8-4323-B2CB-FAB20E1EC4EE}"/>
-              </a:ext>
-            </a:extLst>
-          </p:cNvPr>
-          <p:cNvGraphicFramePr>
-            <a:graphicFrameLocks noChangeAspect="1"/>
-          </p:cNvGraphicFramePr>
-          <p:nvPr>
-            <p:extLst/>
-          </p:nvPr>
-        </p:nvGraphicFramePr>
-        <p:xfrm>
-          <a:off x="7032173" y="3172679"/>
-          <a:ext cx="2654300" cy="1016000"/>
-        </p:xfrm>
-        <a:graphic>
-          <a:graphicData uri="http://schemas.openxmlformats.org/presentationml/2006/ole">
-            <mc:AlternateContent xmlns:mc="http://schemas.openxmlformats.org/markup-compatibility/2006">
-              <mc:Choice xmlns:v="urn:schemas-microsoft-com:vml" Requires="v">
-                <p:oleObj spid="_x0000_s1030" name="Equation" r:id="rId7" imgW="2654280" imgH="1015920" progId="Equation.DSMT4">
-                  <p:embed/>
-                </p:oleObj>
-              </mc:Choice>
-              <mc:Fallback>
-                <p:oleObj name="Equation" r:id="rId7" imgW="2654280" imgH="1015920" progId="Equation.DSMT4">
-                  <p:embed/>
-                  <p:pic>
-                    <p:nvPicPr>
-                      <p:cNvPr id="4" name="物件 3">
-                        <a:extLst>
-                          <a:ext uri="{FF2B5EF4-FFF2-40B4-BE49-F238E27FC236}">
-                            <a16:creationId xmlns:a16="http://schemas.microsoft.com/office/drawing/2014/main" id="{4257F66D-BBB8-4323-B2CB-FAB20E1EC4EE}"/>
-                          </a:ext>
-                        </a:extLst>
-                      </p:cNvPr>
-                      <p:cNvPicPr/>
-                      <p:nvPr/>
-                    </p:nvPicPr>
-                    <p:blipFill>
-                      <a:blip r:embed="rId8"/>
-                      <a:stretch>
-                        <a:fillRect/>
-                      </a:stretch>
-                    </p:blipFill>
-                    <p:spPr>
-                      <a:xfrm>
-                        <a:off x="7032173" y="3172679"/>
-                        <a:ext cx="2654300" cy="1016000"/>
-                      </a:xfrm>
-                      <a:prstGeom prst="rect">
-                        <a:avLst/>
-                      </a:prstGeom>
-                    </p:spPr>
-                  </p:pic>
-                </p:oleObj>
-              </mc:Fallback>
-            </mc:AlternateContent>
-          </a:graphicData>
-        </a:graphic>
-      </p:graphicFrame>
-      <p:cxnSp>
-        <p:nvCxnSpPr>
-          <p:cNvPr id="6" name="直線單箭頭接點 5">
-            <a:extLst>
-              <a:ext uri="{FF2B5EF4-FFF2-40B4-BE49-F238E27FC236}">
-                <a16:creationId xmlns:a16="http://schemas.microsoft.com/office/drawing/2014/main" id="{8D00D93A-8CD2-40B3-B89C-4402CB7B2F76}"/>
-              </a:ext>
-            </a:extLst>
-          </p:cNvPr>
-          <p:cNvCxnSpPr/>
-          <p:nvPr/>
-        </p:nvCxnSpPr>
-        <p:spPr>
-          <a:xfrm>
-            <a:off x="5660573" y="3165059"/>
-            <a:ext cx="990600" cy="0"/>
-          </a:xfrm>
-          <a:prstGeom prst="straightConnector1">
-            <a:avLst/>
-          </a:prstGeom>
-          <a:ln>
-            <a:solidFill>
-              <a:schemeClr val="tx1"/>
-            </a:solidFill>
-            <a:tailEnd type="triangle"/>
-          </a:ln>
-        </p:spPr>
-        <p:style>
-          <a:lnRef idx="1">
-            <a:schemeClr val="accent1"/>
-          </a:lnRef>
-          <a:fillRef idx="0">
-            <a:schemeClr val="accent1"/>
-          </a:fillRef>
-          <a:effectRef idx="0">
-            <a:schemeClr val="accent1"/>
-          </a:effectRef>
-          <a:fontRef idx="minor">
-            <a:schemeClr val="tx1"/>
-          </a:fontRef>
-        </p:style>
-      </p:cxnSp>
-      <p:pic>
-        <p:nvPicPr>
-          <p:cNvPr id="7" name="圖片 6"/>
-          <p:cNvPicPr>
-            <a:picLocks noChangeAspect="1"/>
-          </p:cNvPicPr>
-          <p:nvPr/>
-        </p:nvPicPr>
-        <p:blipFill>
-          <a:blip r:embed="rId9">
-            <a:clrChange>
-              <a:clrFrom>
-                <a:srgbClr val="FFFFFF"/>
-              </a:clrFrom>
-              <a:clrTo>
-                <a:srgbClr val="FFFFFF">
-                  <a:alpha val="0"/>
-                </a:srgbClr>
-              </a:clrTo>
-            </a:clrChange>
-          </a:blip>
-          <a:stretch>
-            <a:fillRect/>
-          </a:stretch>
-        </p:blipFill>
-        <p:spPr>
-          <a:xfrm>
-            <a:off x="3048381" y="4081268"/>
-            <a:ext cx="6095238" cy="4571429"/>
-          </a:xfrm>
-          <a:prstGeom prst="rect">
-            <a:avLst/>
-          </a:prstGeom>
-        </p:spPr>
-      </p:pic>
-      <p:sp>
-        <p:nvSpPr>
-          <p:cNvPr id="8" name="文字方塊 7"/>
-          <p:cNvSpPr txBox="1"/>
-          <p:nvPr/>
-        </p:nvSpPr>
-        <p:spPr>
-          <a:xfrm>
-            <a:off x="1898333" y="6136149"/>
-            <a:ext cx="1454885" cy="461665"/>
-          </a:xfrm>
-          <a:prstGeom prst="rect">
-            <a:avLst/>
-          </a:prstGeom>
-          <a:noFill/>
-        </p:spPr>
-        <p:txBody>
-          <a:bodyPr wrap="none" lIns="0" rtlCol="0" anchor="t">
-            <a:spAutoFit/>
-          </a:bodyPr>
-          <a:lstStyle/>
-          <a:p>
-            <a:pPr algn="l">
-              <a:lnSpc>
-                <a:spcPct val="120000"/>
-              </a:lnSpc>
-            </a:pPr>
-            <a:r>
-              <a:rPr lang="en-US" altLang="zh-TW" sz="2000" dirty="0">
-                <a:latin typeface="Segoe UI Light" panose="020B0502040204020203" pitchFamily="34" charset="0"/>
-                <a:cs typeface="Segoe UI Light" panose="020B0502040204020203" pitchFamily="34" charset="0"/>
-              </a:rPr>
-              <a:t>Min: 2 Rebar</a:t>
-            </a:r>
-            <a:endParaRPr lang="zh-TW" altLang="en-US" sz="2000" dirty="0">
-              <a:latin typeface="Segoe UI Light" panose="020B0502040204020203" pitchFamily="34" charset="0"/>
-              <a:cs typeface="Segoe UI Light" panose="020B0502040204020203" pitchFamily="34" charset="0"/>
-            </a:endParaRPr>
-          </a:p>
-        </p:txBody>
-      </p:sp>
-      <p:cxnSp>
-        <p:nvCxnSpPr>
-          <p:cNvPr id="13" name="直線單箭頭接點 12"/>
-          <p:cNvCxnSpPr/>
-          <p:nvPr/>
-        </p:nvCxnSpPr>
-        <p:spPr>
-          <a:xfrm>
-            <a:off x="8653080" y="4805916"/>
-            <a:ext cx="0" cy="1550434"/>
-          </a:xfrm>
-          <a:prstGeom prst="straightConnector1">
-            <a:avLst/>
-          </a:prstGeom>
-          <a:ln>
-            <a:solidFill>
-              <a:schemeClr val="tx1"/>
-            </a:solidFill>
-            <a:headEnd type="triangle"/>
-            <a:tailEnd type="triangle"/>
-          </a:ln>
-        </p:spPr>
-        <p:style>
-          <a:lnRef idx="1">
-            <a:schemeClr val="accent1"/>
-          </a:lnRef>
-          <a:fillRef idx="0">
-            <a:schemeClr val="accent1"/>
-          </a:fillRef>
-          <a:effectRef idx="0">
-            <a:schemeClr val="accent1"/>
-          </a:effectRef>
-          <a:fontRef idx="minor">
-            <a:schemeClr val="tx1"/>
-          </a:fontRef>
-        </p:style>
-      </p:cxnSp>
-      <p:graphicFrame>
-        <p:nvGraphicFramePr>
-          <p:cNvPr id="15" name="物件 14"/>
-          <p:cNvGraphicFramePr>
-            <a:graphicFrameLocks noChangeAspect="1"/>
-          </p:cNvGraphicFramePr>
-          <p:nvPr>
-            <p:extLst/>
-          </p:nvPr>
-        </p:nvGraphicFramePr>
-        <p:xfrm>
-          <a:off x="8881895" y="5276333"/>
-          <a:ext cx="203200" cy="609600"/>
-        </p:xfrm>
-        <a:graphic>
-          <a:graphicData uri="http://schemas.openxmlformats.org/presentationml/2006/ole">
-            <mc:AlternateContent xmlns:mc="http://schemas.openxmlformats.org/markup-compatibility/2006">
-              <mc:Choice xmlns:v="urn:schemas-microsoft-com:vml" Requires="v">
-                <p:oleObj spid="_x0000_s1031" name="Equation" r:id="rId10" imgW="203040" imgH="609480" progId="Equation.DSMT4">
-                  <p:embed/>
-                </p:oleObj>
-              </mc:Choice>
-              <mc:Fallback>
-                <p:oleObj name="Equation" r:id="rId10" imgW="203040" imgH="609480" progId="Equation.DSMT4">
-                  <p:embed/>
-                  <p:pic>
-                    <p:nvPicPr>
-                      <p:cNvPr id="15" name="物件 14"/>
-                      <p:cNvPicPr/>
-                      <p:nvPr/>
-                    </p:nvPicPr>
-                    <p:blipFill>
-                      <a:blip r:embed="rId11"/>
-                      <a:stretch>
-                        <a:fillRect/>
-                      </a:stretch>
-                    </p:blipFill>
-                    <p:spPr>
-                      <a:xfrm>
-                        <a:off x="8881895" y="5276333"/>
-                        <a:ext cx="203200" cy="609600"/>
-                      </a:xfrm>
-                      <a:prstGeom prst="rect">
-                        <a:avLst/>
-                      </a:prstGeom>
-                    </p:spPr>
-                  </p:pic>
-                </p:oleObj>
-              </mc:Fallback>
-            </mc:AlternateContent>
-          </a:graphicData>
-        </a:graphic>
-      </p:graphicFrame>
-      <p:sp>
-        <p:nvSpPr>
-          <p:cNvPr id="5" name="文字方塊 4"/>
-          <p:cNvSpPr txBox="1"/>
-          <p:nvPr/>
-        </p:nvSpPr>
-        <p:spPr>
-          <a:xfrm>
-            <a:off x="4007444" y="4734072"/>
-            <a:ext cx="1519006" cy="461665"/>
-          </a:xfrm>
-          <a:prstGeom prst="rect">
-            <a:avLst/>
-          </a:prstGeom>
-          <a:noFill/>
-        </p:spPr>
-        <p:txBody>
-          <a:bodyPr wrap="none" lIns="0" rtlCol="0" anchor="t">
-            <a:spAutoFit/>
-          </a:bodyPr>
-          <a:lstStyle/>
-          <a:p>
-            <a:pPr>
-              <a:lnSpc>
-                <a:spcPct val="120000"/>
-              </a:lnSpc>
-            </a:pPr>
-            <a:r>
-              <a:rPr lang="en-US" altLang="zh-TW" sz="2000" dirty="0">
-                <a:solidFill>
-                  <a:schemeClr val="accent1"/>
-                </a:solidFill>
-              </a:rPr>
-              <a:t>- Demand As</a:t>
-            </a:r>
-            <a:endParaRPr lang="zh-TW" altLang="en-US" sz="2000" dirty="0">
-              <a:solidFill>
-                <a:schemeClr val="accent1"/>
-              </a:solidFill>
-              <a:latin typeface="Segoe UI Light" panose="020B0502040204020203" pitchFamily="34" charset="0"/>
-              <a:cs typeface="Segoe UI Light" panose="020B0502040204020203" pitchFamily="34" charset="0"/>
-            </a:endParaRPr>
-          </a:p>
-        </p:txBody>
-      </p:sp>
-    </p:spTree>
-    <p:extLst>
-      <p:ext uri="{BB962C8B-B14F-4D97-AF65-F5344CB8AC3E}">
-        <p14:creationId xmlns:p14="http://schemas.microsoft.com/office/powerpoint/2010/main" val="2453439490"/>
-      </p:ext>
-    </p:extLst>
-  </p:cSld>
-  <p:clrMapOvr>
-    <a:masterClrMapping/>
-  </p:clrMapOvr>
-  <mc:AlternateContent xmlns:mc="http://schemas.openxmlformats.org/markup-compatibility/2006" xmlns:p14="http://schemas.microsoft.com/office/powerpoint/2010/main">
-    <mc:Choice Requires="p14">
-      <p:transition spd="med" p14:dur="700">
-        <p:fade/>
-      </p:transition>
-    </mc:Choice>
-    <mc:Fallback xmlns="">
-      <p:transition spd="med">
-        <p:fade/>
-      </p:transition>
-    </mc:Fallback>
-  </mc:AlternateContent>
-  <p:timing>
-    <p:tnLst>
-      <p:par>
-        <p:cTn id="1" dur="indefinite" restart="never" nodeType="tmRoot"/>
-      </p:par>
-    </p:tnLst>
-  </p:timing>
-</p:sld>
-</file>
-
-<file path=ppt/slides/slide8.xml><?xml version="1.0" encoding="utf-8"?>
-<p:sld xmlns:a="http://schemas.openxmlformats.org/drawingml/2006/main" xmlns:r="http://schemas.openxmlformats.org/officeDocument/2006/relationships" xmlns:p="http://schemas.openxmlformats.org/presentationml/2006/main">
-  <p:cSld>
-    <p:spTree>
-      <p:nvGrpSpPr>
-        <p:cNvPr id="1" name=""/>
-        <p:cNvGrpSpPr/>
-        <p:nvPr/>
-      </p:nvGrpSpPr>
-      <p:grpSpPr>
-        <a:xfrm>
-          <a:off x="0" y="0"/>
-          <a:ext cx="0" cy="0"/>
-          <a:chOff x="0" y="0"/>
-          <a:chExt cx="0" cy="0"/>
-        </a:xfrm>
-      </p:grpSpPr>
       <p:pic>
         <p:nvPicPr>
           <p:cNvPr id="9" name="圖片 8"/>
@@ -25852,7 +23412,7 @@
           <a:p>
             <a:fld id="{6F0746BA-D1AA-4FF4-8D48-BDBC7FF48778}" type="slidenum">
               <a:rPr lang="fr-FR" smtClean="0"/>
-              <a:t>8</a:t>
+              <a:t>10</a:t>
             </a:fld>
             <a:endParaRPr lang="fr-FR" dirty="0"/>
           </a:p>
@@ -26217,7 +23777,7 @@
           <a:graphicData uri="http://schemas.openxmlformats.org/presentationml/2006/ole">
             <mc:AlternateContent xmlns:mc="http://schemas.openxmlformats.org/markup-compatibility/2006">
               <mc:Choice xmlns:v="urn:schemas-microsoft-com:vml" Requires="v">
-                <p:oleObj spid="_x0000_s2051" name="Equation" r:id="rId7" imgW="3593880" imgH="444240" progId="Equation.DSMT4">
+                <p:oleObj spid="_x0000_s2053" name="Equation" r:id="rId7" imgW="3593880" imgH="444240" progId="Equation.DSMT4">
                   <p:embed/>
                 </p:oleObj>
               </mc:Choice>
@@ -26956,7 +24516,7 @@
 </p:sld>
 </file>
 
-<file path=ppt/slides/slide9.xml><?xml version="1.0" encoding="utf-8"?>
+<file path=ppt/slides/slide11.xml><?xml version="1.0" encoding="utf-8"?>
 <p:sld xmlns:a="http://schemas.openxmlformats.org/drawingml/2006/main" xmlns:r="http://schemas.openxmlformats.org/officeDocument/2006/relationships" xmlns:p="http://schemas.openxmlformats.org/presentationml/2006/main">
   <p:cSld>
     <p:spTree>
@@ -27083,7 +24643,7 @@
           <a:p>
             <a:fld id="{6F0746BA-D1AA-4FF4-8D48-BDBC7FF48778}" type="slidenum">
               <a:rPr lang="fr-FR" smtClean="0"/>
-              <a:t>9</a:t>
+              <a:t>11</a:t>
             </a:fld>
             <a:endParaRPr lang="fr-FR"/>
           </a:p>
@@ -27567,6 +25127,2490 @@
     <p:extLst>
       <p:ext uri="{BB962C8B-B14F-4D97-AF65-F5344CB8AC3E}">
         <p14:creationId xmlns:p14="http://schemas.microsoft.com/office/powerpoint/2010/main" val="3799510153"/>
+      </p:ext>
+    </p:extLst>
+  </p:cSld>
+  <p:clrMapOvr>
+    <a:masterClrMapping/>
+  </p:clrMapOvr>
+  <mc:AlternateContent xmlns:mc="http://schemas.openxmlformats.org/markup-compatibility/2006" xmlns:p14="http://schemas.microsoft.com/office/powerpoint/2010/main">
+    <mc:Choice Requires="p14">
+      <p:transition spd="med" p14:dur="700">
+        <p:fade/>
+      </p:transition>
+    </mc:Choice>
+    <mc:Fallback xmlns="">
+      <p:transition spd="med">
+        <p:fade/>
+      </p:transition>
+    </mc:Fallback>
+  </mc:AlternateContent>
+  <p:timing>
+    <p:tnLst>
+      <p:par>
+        <p:cTn id="1" dur="indefinite" restart="never" nodeType="tmRoot"/>
+      </p:par>
+    </p:tnLst>
+  </p:timing>
+</p:sld>
+</file>
+
+<file path=ppt/slides/slide12.xml><?xml version="1.0" encoding="utf-8"?>
+<p:sld xmlns:a="http://schemas.openxmlformats.org/drawingml/2006/main" xmlns:r="http://schemas.openxmlformats.org/officeDocument/2006/relationships" xmlns:p="http://schemas.openxmlformats.org/presentationml/2006/main">
+  <p:cSld>
+    <p:spTree>
+      <p:nvGrpSpPr>
+        <p:cNvPr id="1" name=""/>
+        <p:cNvGrpSpPr/>
+        <p:nvPr/>
+      </p:nvGrpSpPr>
+      <p:grpSpPr>
+        <a:xfrm>
+          <a:off x="0" y="0"/>
+          <a:ext cx="0" cy="0"/>
+          <a:chOff x="0" y="0"/>
+          <a:chExt cx="0" cy="0"/>
+        </a:xfrm>
+      </p:grpSpPr>
+      <p:pic>
+        <p:nvPicPr>
+          <p:cNvPr id="9" name="圖片 8"/>
+          <p:cNvPicPr>
+            <a:picLocks noChangeAspect="1"/>
+          </p:cNvPicPr>
+          <p:nvPr/>
+        </p:nvPicPr>
+        <p:blipFill>
+          <a:blip r:embed="rId3">
+            <a:clrChange>
+              <a:clrFrom>
+                <a:srgbClr val="FFFFFF"/>
+              </a:clrFrom>
+              <a:clrTo>
+                <a:srgbClr val="FFFFFF">
+                  <a:alpha val="0"/>
+                </a:srgbClr>
+              </a:clrTo>
+            </a:clrChange>
+          </a:blip>
+          <a:stretch>
+            <a:fillRect/>
+          </a:stretch>
+        </p:blipFill>
+        <p:spPr>
+          <a:xfrm>
+            <a:off x="-2" y="1536691"/>
+            <a:ext cx="6095238" cy="4571429"/>
+          </a:xfrm>
+          <a:prstGeom prst="rect">
+            <a:avLst/>
+          </a:prstGeom>
+        </p:spPr>
+      </p:pic>
+      <p:sp>
+        <p:nvSpPr>
+          <p:cNvPr id="2" name="投影片編號版面配置區 1">
+            <a:extLst>
+              <a:ext uri="{FF2B5EF4-FFF2-40B4-BE49-F238E27FC236}">
+                <a16:creationId xmlns:a16="http://schemas.microsoft.com/office/drawing/2014/main" id="{08C3D0B9-BC05-4810-B7A6-4BAFB4EB875D}"/>
+              </a:ext>
+            </a:extLst>
+          </p:cNvPr>
+          <p:cNvSpPr>
+            <a:spLocks noGrp="1"/>
+          </p:cNvSpPr>
+          <p:nvPr>
+            <p:ph type="sldNum" sz="quarter" idx="4"/>
+          </p:nvPr>
+        </p:nvSpPr>
+        <p:spPr/>
+        <p:txBody>
+          <a:bodyPr/>
+          <a:lstStyle/>
+          <a:p>
+            <a:fld id="{6F0746BA-D1AA-4FF4-8D48-BDBC7FF48778}" type="slidenum">
+              <a:rPr lang="fr-FR" smtClean="0"/>
+              <a:t>12</a:t>
+            </a:fld>
+            <a:endParaRPr lang="fr-FR"/>
+          </a:p>
+        </p:txBody>
+      </p:sp>
+      <p:sp>
+        <p:nvSpPr>
+          <p:cNvPr id="5" name="文字方塊 4"/>
+          <p:cNvSpPr txBox="1"/>
+          <p:nvPr/>
+        </p:nvSpPr>
+        <p:spPr>
+          <a:xfrm>
+            <a:off x="839788" y="711204"/>
+            <a:ext cx="1519006" cy="461665"/>
+          </a:xfrm>
+          <a:prstGeom prst="rect">
+            <a:avLst/>
+          </a:prstGeom>
+          <a:noFill/>
+        </p:spPr>
+        <p:txBody>
+          <a:bodyPr wrap="none" lIns="0" rtlCol="0" anchor="t">
+            <a:spAutoFit/>
+          </a:bodyPr>
+          <a:lstStyle/>
+          <a:p>
+            <a:pPr algn="l">
+              <a:lnSpc>
+                <a:spcPct val="120000"/>
+              </a:lnSpc>
+            </a:pPr>
+            <a:r>
+              <a:rPr lang="en-US" altLang="zh-TW" sz="2000" dirty="0">
+                <a:solidFill>
+                  <a:schemeClr val="accent2"/>
+                </a:solidFill>
+                <a:latin typeface="Segoe UI Light" panose="020B0502040204020203" pitchFamily="34" charset="0"/>
+                <a:cs typeface="Segoe UI Light" panose="020B0502040204020203" pitchFamily="34" charset="0"/>
+              </a:rPr>
+              <a:t>- Demand As</a:t>
+            </a:r>
+            <a:endParaRPr lang="zh-TW" altLang="en-US" sz="2000" dirty="0">
+              <a:solidFill>
+                <a:schemeClr val="accent2"/>
+              </a:solidFill>
+              <a:latin typeface="Segoe UI Light" panose="020B0502040204020203" pitchFamily="34" charset="0"/>
+              <a:cs typeface="Segoe UI Light" panose="020B0502040204020203" pitchFamily="34" charset="0"/>
+            </a:endParaRPr>
+          </a:p>
+        </p:txBody>
+      </p:sp>
+      <p:sp>
+        <p:nvSpPr>
+          <p:cNvPr id="6" name="文字方塊 5"/>
+          <p:cNvSpPr txBox="1"/>
+          <p:nvPr/>
+        </p:nvSpPr>
+        <p:spPr>
+          <a:xfrm>
+            <a:off x="839788" y="1155582"/>
+            <a:ext cx="1881284" cy="461665"/>
+          </a:xfrm>
+          <a:prstGeom prst="rect">
+            <a:avLst/>
+          </a:prstGeom>
+          <a:solidFill>
+            <a:srgbClr val="F7F7F7"/>
+          </a:solidFill>
+        </p:spPr>
+        <p:txBody>
+          <a:bodyPr wrap="none" lIns="0" rtlCol="0" anchor="t">
+            <a:spAutoFit/>
+          </a:bodyPr>
+          <a:lstStyle/>
+          <a:p>
+            <a:pPr>
+              <a:lnSpc>
+                <a:spcPct val="120000"/>
+              </a:lnSpc>
+            </a:pPr>
+            <a:r>
+              <a:rPr lang="en-US" altLang="zh-TW" sz="2000" dirty="0">
+                <a:solidFill>
+                  <a:schemeClr val="accent3"/>
+                </a:solidFill>
+                <a:latin typeface="Segoe UI Light" panose="020B0502040204020203" pitchFamily="34" charset="0"/>
+                <a:cs typeface="Segoe UI Light" panose="020B0502040204020203" pitchFamily="34" charset="0"/>
+              </a:rPr>
+              <a:t>- Consider </a:t>
+            </a:r>
+            <a:r>
+              <a:rPr lang="en-US" altLang="zh-TW" sz="2000" dirty="0" err="1">
+                <a:solidFill>
+                  <a:schemeClr val="accent3"/>
+                </a:solidFill>
+                <a:latin typeface="Segoe UI Light" panose="020B0502040204020203" pitchFamily="34" charset="0"/>
+                <a:cs typeface="Segoe UI Light" panose="020B0502040204020203" pitchFamily="34" charset="0"/>
+              </a:rPr>
+              <a:t>Ld</a:t>
+            </a:r>
+            <a:r>
+              <a:rPr lang="en-US" altLang="zh-TW" sz="2000" dirty="0">
+                <a:solidFill>
+                  <a:schemeClr val="accent3"/>
+                </a:solidFill>
+                <a:latin typeface="Segoe UI Light" panose="020B0502040204020203" pitchFamily="34" charset="0"/>
+                <a:cs typeface="Segoe UI Light" panose="020B0502040204020203" pitchFamily="34" charset="0"/>
+              </a:rPr>
+              <a:t> As</a:t>
+            </a:r>
+            <a:endParaRPr lang="zh-TW" altLang="en-US" sz="2000" dirty="0">
+              <a:solidFill>
+                <a:schemeClr val="accent3"/>
+              </a:solidFill>
+              <a:latin typeface="Segoe UI Light" panose="020B0502040204020203" pitchFamily="34" charset="0"/>
+              <a:cs typeface="Segoe UI Light" panose="020B0502040204020203" pitchFamily="34" charset="0"/>
+            </a:endParaRPr>
+          </a:p>
+        </p:txBody>
+      </p:sp>
+      <p:sp>
+        <p:nvSpPr>
+          <p:cNvPr id="7" name="文字方塊 6"/>
+          <p:cNvSpPr txBox="1"/>
+          <p:nvPr/>
+        </p:nvSpPr>
+        <p:spPr>
+          <a:xfrm>
+            <a:off x="839788" y="1599960"/>
+            <a:ext cx="1334661" cy="461665"/>
+          </a:xfrm>
+          <a:prstGeom prst="rect">
+            <a:avLst/>
+          </a:prstGeom>
+          <a:noFill/>
+        </p:spPr>
+        <p:txBody>
+          <a:bodyPr wrap="none" lIns="0" rtlCol="0" anchor="t">
+            <a:spAutoFit/>
+          </a:bodyPr>
+          <a:lstStyle/>
+          <a:p>
+            <a:pPr algn="l">
+              <a:lnSpc>
+                <a:spcPct val="120000"/>
+              </a:lnSpc>
+            </a:pPr>
+            <a:r>
+              <a:rPr lang="en-US" altLang="zh-TW" sz="2000" dirty="0">
+                <a:solidFill>
+                  <a:schemeClr val="accent1"/>
+                </a:solidFill>
+                <a:latin typeface="Segoe UI Light" panose="020B0502040204020203" pitchFamily="34" charset="0"/>
+                <a:cs typeface="Segoe UI Light" panose="020B0502040204020203" pitchFamily="34" charset="0"/>
+              </a:rPr>
+              <a:t>- Design As</a:t>
+            </a:r>
+            <a:endParaRPr lang="zh-TW" altLang="en-US" sz="2000" dirty="0">
+              <a:solidFill>
+                <a:schemeClr val="accent1"/>
+              </a:solidFill>
+              <a:latin typeface="Segoe UI Light" panose="020B0502040204020203" pitchFamily="34" charset="0"/>
+              <a:cs typeface="Segoe UI Light" panose="020B0502040204020203" pitchFamily="34" charset="0"/>
+            </a:endParaRPr>
+          </a:p>
+        </p:txBody>
+      </p:sp>
+      <p:sp>
+        <p:nvSpPr>
+          <p:cNvPr id="8" name="文字方塊 7"/>
+          <p:cNvSpPr txBox="1"/>
+          <p:nvPr/>
+        </p:nvSpPr>
+        <p:spPr>
+          <a:xfrm>
+            <a:off x="8075582" y="811570"/>
+            <a:ext cx="2144177" cy="461665"/>
+          </a:xfrm>
+          <a:prstGeom prst="rect">
+            <a:avLst/>
+          </a:prstGeom>
+          <a:noFill/>
+        </p:spPr>
+        <p:txBody>
+          <a:bodyPr wrap="none" lIns="0" rtlCol="0" anchor="t">
+            <a:spAutoFit/>
+          </a:bodyPr>
+          <a:lstStyle/>
+          <a:p>
+            <a:pPr>
+              <a:lnSpc>
+                <a:spcPct val="120000"/>
+              </a:lnSpc>
+            </a:pPr>
+            <a:r>
+              <a:rPr lang="zh-TW" altLang="en-US" sz="2000" dirty="0" smtClean="0">
+                <a:latin typeface="Segoe UI Light" panose="020B0502040204020203" pitchFamily="34" charset="0"/>
+                <a:cs typeface="Segoe UI Light" panose="020B0502040204020203" pitchFamily="34" charset="0"/>
+              </a:rPr>
+              <a:t>傳統梁鋼筋配置</a:t>
+            </a:r>
+            <a:r>
+              <a:rPr lang="zh-TW" altLang="en-US" sz="2000" dirty="0">
+                <a:latin typeface="Segoe UI Light" panose="020B0502040204020203" pitchFamily="34" charset="0"/>
+                <a:cs typeface="Segoe UI Light" panose="020B0502040204020203" pitchFamily="34" charset="0"/>
+              </a:rPr>
+              <a:t>圖</a:t>
+            </a:r>
+          </a:p>
+        </p:txBody>
+      </p:sp>
+      <p:sp>
+        <p:nvSpPr>
+          <p:cNvPr id="3" name="文字方塊 2">
+            <a:extLst>
+              <a:ext uri="{FF2B5EF4-FFF2-40B4-BE49-F238E27FC236}">
+                <a16:creationId xmlns:a16="http://schemas.microsoft.com/office/drawing/2014/main" id="{89351A6F-C48D-0646-81AB-0B2C40694337}"/>
+              </a:ext>
+            </a:extLst>
+          </p:cNvPr>
+          <p:cNvSpPr txBox="1"/>
+          <p:nvPr/>
+        </p:nvSpPr>
+        <p:spPr>
+          <a:xfrm>
+            <a:off x="2379485" y="1847912"/>
+            <a:ext cx="1336263" cy="427425"/>
+          </a:xfrm>
+          <a:prstGeom prst="rect">
+            <a:avLst/>
+          </a:prstGeom>
+          <a:solidFill>
+            <a:srgbClr val="F7F7F7"/>
+          </a:solidFill>
+        </p:spPr>
+        <p:txBody>
+          <a:bodyPr wrap="none" lIns="0" rtlCol="0" anchor="t">
+            <a:spAutoFit/>
+          </a:bodyPr>
+          <a:lstStyle/>
+          <a:p>
+            <a:pPr algn="l">
+              <a:lnSpc>
+                <a:spcPct val="120000"/>
+              </a:lnSpc>
+            </a:pPr>
+            <a:r>
+              <a:rPr kumimoji="1" lang="en-US" altLang="zh-CN" sz="2000" dirty="0">
+                <a:latin typeface="Segoe UI Light" panose="020B0502040204020203" pitchFamily="34" charset="0"/>
+                <a:cs typeface="Segoe UI Light" panose="020B0502040204020203" pitchFamily="34" charset="0"/>
+              </a:rPr>
+              <a:t>Multi-Cut-2</a:t>
+            </a:r>
+            <a:endParaRPr kumimoji="1" lang="zh-TW" altLang="en-US" sz="2000" dirty="0">
+              <a:latin typeface="Segoe UI Light" panose="020B0502040204020203" pitchFamily="34" charset="0"/>
+              <a:cs typeface="Segoe UI Light" panose="020B0502040204020203" pitchFamily="34" charset="0"/>
+            </a:endParaRPr>
+          </a:p>
+        </p:txBody>
+      </p:sp>
+      <p:pic>
+        <p:nvPicPr>
+          <p:cNvPr id="11" name="圖片 10"/>
+          <p:cNvPicPr>
+            <a:picLocks noChangeAspect="1"/>
+          </p:cNvPicPr>
+          <p:nvPr/>
+        </p:nvPicPr>
+        <p:blipFill>
+          <a:blip r:embed="rId4">
+            <a:clrChange>
+              <a:clrFrom>
+                <a:srgbClr val="FFFFFF"/>
+              </a:clrFrom>
+              <a:clrTo>
+                <a:srgbClr val="FFFFFF">
+                  <a:alpha val="0"/>
+                </a:srgbClr>
+              </a:clrTo>
+            </a:clrChange>
+          </a:blip>
+          <a:stretch>
+            <a:fillRect/>
+          </a:stretch>
+        </p:blipFill>
+        <p:spPr>
+          <a:xfrm>
+            <a:off x="6096000" y="1348955"/>
+            <a:ext cx="6103346" cy="4683445"/>
+          </a:xfrm>
+          <a:prstGeom prst="rect">
+            <a:avLst/>
+          </a:prstGeom>
+        </p:spPr>
+      </p:pic>
+      <p:cxnSp>
+        <p:nvCxnSpPr>
+          <p:cNvPr id="13" name="直線單箭頭接點 12"/>
+          <p:cNvCxnSpPr/>
+          <p:nvPr/>
+        </p:nvCxnSpPr>
+        <p:spPr>
+          <a:xfrm>
+            <a:off x="9147673" y="3200400"/>
+            <a:ext cx="0" cy="490277"/>
+          </a:xfrm>
+          <a:prstGeom prst="straightConnector1">
+            <a:avLst/>
+          </a:prstGeom>
+          <a:ln>
+            <a:solidFill>
+              <a:schemeClr val="tx1"/>
+            </a:solidFill>
+            <a:tailEnd type="triangle"/>
+          </a:ln>
+        </p:spPr>
+        <p:style>
+          <a:lnRef idx="1">
+            <a:schemeClr val="accent1"/>
+          </a:lnRef>
+          <a:fillRef idx="0">
+            <a:schemeClr val="accent1"/>
+          </a:fillRef>
+          <a:effectRef idx="0">
+            <a:schemeClr val="accent1"/>
+          </a:effectRef>
+          <a:fontRef idx="minor">
+            <a:schemeClr val="tx1"/>
+          </a:fontRef>
+        </p:style>
+      </p:cxnSp>
+      <p:sp>
+        <p:nvSpPr>
+          <p:cNvPr id="12" name="文字方塊 11"/>
+          <p:cNvSpPr txBox="1"/>
+          <p:nvPr/>
+        </p:nvSpPr>
+        <p:spPr>
+          <a:xfrm>
+            <a:off x="7562622" y="6108120"/>
+            <a:ext cx="3170099" cy="461665"/>
+          </a:xfrm>
+          <a:prstGeom prst="rect">
+            <a:avLst/>
+          </a:prstGeom>
+          <a:noFill/>
+        </p:spPr>
+        <p:txBody>
+          <a:bodyPr wrap="none" lIns="0" rtlCol="0" anchor="t">
+            <a:spAutoFit/>
+          </a:bodyPr>
+          <a:lstStyle/>
+          <a:p>
+            <a:pPr>
+              <a:lnSpc>
+                <a:spcPct val="120000"/>
+              </a:lnSpc>
+            </a:pPr>
+            <a:r>
+              <a:rPr lang="zh-TW" altLang="en-US" sz="2000" dirty="0" smtClean="0">
+                <a:latin typeface="Segoe UI Light" panose="020B0502040204020203" pitchFamily="34" charset="0"/>
+                <a:cs typeface="Segoe UI Light" panose="020B0502040204020203" pitchFamily="34" charset="0"/>
+              </a:rPr>
+              <a:t>多點斷筋梁鋼筋</a:t>
+            </a:r>
+            <a:r>
+              <a:rPr lang="zh-TW" altLang="en-US" sz="2000" dirty="0">
+                <a:latin typeface="Segoe UI Light" panose="020B0502040204020203" pitchFamily="34" charset="0"/>
+                <a:cs typeface="Segoe UI Light" panose="020B0502040204020203" pitchFamily="34" charset="0"/>
+              </a:rPr>
+              <a:t>配置示意圖</a:t>
+            </a:r>
+          </a:p>
+        </p:txBody>
+      </p:sp>
+    </p:spTree>
+    <p:extLst>
+      <p:ext uri="{BB962C8B-B14F-4D97-AF65-F5344CB8AC3E}">
+        <p14:creationId xmlns:p14="http://schemas.microsoft.com/office/powerpoint/2010/main" val="189678464"/>
+      </p:ext>
+    </p:extLst>
+  </p:cSld>
+  <p:clrMapOvr>
+    <a:masterClrMapping/>
+  </p:clrMapOvr>
+  <mc:AlternateContent xmlns:mc="http://schemas.openxmlformats.org/markup-compatibility/2006" xmlns:p14="http://schemas.microsoft.com/office/powerpoint/2010/main">
+    <mc:Choice Requires="p14">
+      <p:transition spd="med" p14:dur="700">
+        <p:fade/>
+      </p:transition>
+    </mc:Choice>
+    <mc:Fallback xmlns="">
+      <p:transition spd="med">
+        <p:fade/>
+      </p:transition>
+    </mc:Fallback>
+  </mc:AlternateContent>
+  <p:timing>
+    <p:tnLst>
+      <p:par>
+        <p:cTn id="1" dur="indefinite" restart="never" nodeType="tmRoot"/>
+      </p:par>
+    </p:tnLst>
+  </p:timing>
+</p:sld>
+</file>
+
+<file path=ppt/slides/slide2.xml><?xml version="1.0" encoding="utf-8"?>
+<p:sld xmlns:a="http://schemas.openxmlformats.org/drawingml/2006/main" xmlns:r="http://schemas.openxmlformats.org/officeDocument/2006/relationships" xmlns:p="http://schemas.openxmlformats.org/presentationml/2006/main">
+  <p:cSld>
+    <p:spTree>
+      <p:nvGrpSpPr>
+        <p:cNvPr id="1" name=""/>
+        <p:cNvGrpSpPr/>
+        <p:nvPr/>
+      </p:nvGrpSpPr>
+      <p:grpSpPr>
+        <a:xfrm>
+          <a:off x="0" y="0"/>
+          <a:ext cx="0" cy="0"/>
+          <a:chOff x="0" y="0"/>
+          <a:chExt cx="0" cy="0"/>
+        </a:xfrm>
+      </p:grpSpPr>
+      <p:sp>
+        <p:nvSpPr>
+          <p:cNvPr id="2" name="投影片編號版面配置區 1"/>
+          <p:cNvSpPr>
+            <a:spLocks noGrp="1"/>
+          </p:cNvSpPr>
+          <p:nvPr>
+            <p:ph type="sldNum" sz="quarter" idx="4"/>
+          </p:nvPr>
+        </p:nvSpPr>
+        <p:spPr/>
+        <p:txBody>
+          <a:bodyPr/>
+          <a:lstStyle/>
+          <a:p>
+            <a:fld id="{6F0746BA-D1AA-4FF4-8D48-BDBC7FF48778}" type="slidenum">
+              <a:rPr lang="fr-FR" smtClean="0"/>
+              <a:t>2</a:t>
+            </a:fld>
+            <a:endParaRPr lang="fr-FR"/>
+          </a:p>
+        </p:txBody>
+      </p:sp>
+      <p:pic>
+        <p:nvPicPr>
+          <p:cNvPr id="3" name="圖片 2"/>
+          <p:cNvPicPr>
+            <a:picLocks noChangeAspect="1"/>
+          </p:cNvPicPr>
+          <p:nvPr/>
+        </p:nvPicPr>
+        <p:blipFill>
+          <a:blip r:embed="rId2">
+            <a:clrChange>
+              <a:clrFrom>
+                <a:srgbClr val="FFFFFF"/>
+              </a:clrFrom>
+              <a:clrTo>
+                <a:srgbClr val="FFFFFF">
+                  <a:alpha val="0"/>
+                </a:srgbClr>
+              </a:clrTo>
+            </a:clrChange>
+          </a:blip>
+          <a:stretch>
+            <a:fillRect/>
+          </a:stretch>
+        </p:blipFill>
+        <p:spPr>
+          <a:xfrm>
+            <a:off x="0" y="0"/>
+            <a:ext cx="12192000" cy="3720636"/>
+          </a:xfrm>
+          <a:prstGeom prst="rect">
+            <a:avLst/>
+          </a:prstGeom>
+        </p:spPr>
+      </p:pic>
+    </p:spTree>
+    <p:extLst>
+      <p:ext uri="{BB962C8B-B14F-4D97-AF65-F5344CB8AC3E}">
+        <p14:creationId xmlns:p14="http://schemas.microsoft.com/office/powerpoint/2010/main" val="3168804927"/>
+      </p:ext>
+    </p:extLst>
+  </p:cSld>
+  <p:clrMapOvr>
+    <a:masterClrMapping/>
+  </p:clrMapOvr>
+  <mc:AlternateContent xmlns:mc="http://schemas.openxmlformats.org/markup-compatibility/2006" xmlns:p14="http://schemas.microsoft.com/office/powerpoint/2010/main">
+    <mc:Choice Requires="p14">
+      <p:transition spd="med" p14:dur="700">
+        <p:fade/>
+      </p:transition>
+    </mc:Choice>
+    <mc:Fallback xmlns="">
+      <p:transition spd="med">
+        <p:fade/>
+      </p:transition>
+    </mc:Fallback>
+  </mc:AlternateContent>
+  <p:timing>
+    <p:tnLst>
+      <p:par>
+        <p:cTn id="1" dur="indefinite" restart="never" nodeType="tmRoot"/>
+      </p:par>
+    </p:tnLst>
+  </p:timing>
+</p:sld>
+</file>
+
+<file path=ppt/slides/slide3.xml><?xml version="1.0" encoding="utf-8"?>
+<p:sld xmlns:a="http://schemas.openxmlformats.org/drawingml/2006/main" xmlns:r="http://schemas.openxmlformats.org/officeDocument/2006/relationships" xmlns:p="http://schemas.openxmlformats.org/presentationml/2006/main">
+  <p:cSld>
+    <p:spTree>
+      <p:nvGrpSpPr>
+        <p:cNvPr id="1" name=""/>
+        <p:cNvGrpSpPr/>
+        <p:nvPr/>
+      </p:nvGrpSpPr>
+      <p:grpSpPr>
+        <a:xfrm>
+          <a:off x="0" y="0"/>
+          <a:ext cx="0" cy="0"/>
+          <a:chOff x="0" y="0"/>
+          <a:chExt cx="0" cy="0"/>
+        </a:xfrm>
+      </p:grpSpPr>
+      <p:sp>
+        <p:nvSpPr>
+          <p:cNvPr id="2" name="投影片編號版面配置區 1"/>
+          <p:cNvSpPr>
+            <a:spLocks noGrp="1"/>
+          </p:cNvSpPr>
+          <p:nvPr>
+            <p:ph type="sldNum" sz="quarter" idx="4"/>
+          </p:nvPr>
+        </p:nvSpPr>
+        <p:spPr/>
+        <p:txBody>
+          <a:bodyPr/>
+          <a:lstStyle/>
+          <a:p>
+            <a:fld id="{6F0746BA-D1AA-4FF4-8D48-BDBC7FF48778}" type="slidenum">
+              <a:rPr lang="fr-FR" smtClean="0"/>
+              <a:t>3</a:t>
+            </a:fld>
+            <a:endParaRPr lang="fr-FR"/>
+          </a:p>
+        </p:txBody>
+      </p:sp>
+      <p:pic>
+        <p:nvPicPr>
+          <p:cNvPr id="3" name="圖片 2"/>
+          <p:cNvPicPr>
+            <a:picLocks noChangeAspect="1"/>
+          </p:cNvPicPr>
+          <p:nvPr/>
+        </p:nvPicPr>
+        <p:blipFill>
+          <a:blip r:embed="rId2">
+            <a:clrChange>
+              <a:clrFrom>
+                <a:srgbClr val="FFFFFF"/>
+              </a:clrFrom>
+              <a:clrTo>
+                <a:srgbClr val="FFFFFF">
+                  <a:alpha val="0"/>
+                </a:srgbClr>
+              </a:clrTo>
+            </a:clrChange>
+          </a:blip>
+          <a:stretch>
+            <a:fillRect/>
+          </a:stretch>
+        </p:blipFill>
+        <p:spPr>
+          <a:xfrm>
+            <a:off x="839788" y="0"/>
+            <a:ext cx="9837080" cy="6858000"/>
+          </a:xfrm>
+          <a:prstGeom prst="rect">
+            <a:avLst/>
+          </a:prstGeom>
+        </p:spPr>
+      </p:pic>
+    </p:spTree>
+    <p:extLst>
+      <p:ext uri="{BB962C8B-B14F-4D97-AF65-F5344CB8AC3E}">
+        <p14:creationId xmlns:p14="http://schemas.microsoft.com/office/powerpoint/2010/main" val="4158227797"/>
+      </p:ext>
+    </p:extLst>
+  </p:cSld>
+  <p:clrMapOvr>
+    <a:masterClrMapping/>
+  </p:clrMapOvr>
+  <mc:AlternateContent xmlns:mc="http://schemas.openxmlformats.org/markup-compatibility/2006" xmlns:p14="http://schemas.microsoft.com/office/powerpoint/2010/main">
+    <mc:Choice Requires="p14">
+      <p:transition spd="med" p14:dur="700">
+        <p:fade/>
+      </p:transition>
+    </mc:Choice>
+    <mc:Fallback xmlns="">
+      <p:transition spd="med">
+        <p:fade/>
+      </p:transition>
+    </mc:Fallback>
+  </mc:AlternateContent>
+  <p:timing>
+    <p:tnLst>
+      <p:par>
+        <p:cTn id="1" dur="indefinite" restart="never" nodeType="tmRoot"/>
+      </p:par>
+    </p:tnLst>
+  </p:timing>
+</p:sld>
+</file>
+
+<file path=ppt/slides/slide4.xml><?xml version="1.0" encoding="utf-8"?>
+<p:sld xmlns:a="http://schemas.openxmlformats.org/drawingml/2006/main" xmlns:r="http://schemas.openxmlformats.org/officeDocument/2006/relationships" xmlns:p="http://schemas.openxmlformats.org/presentationml/2006/main">
+  <p:cSld>
+    <p:spTree>
+      <p:nvGrpSpPr>
+        <p:cNvPr id="1" name=""/>
+        <p:cNvGrpSpPr/>
+        <p:nvPr/>
+      </p:nvGrpSpPr>
+      <p:grpSpPr>
+        <a:xfrm>
+          <a:off x="0" y="0"/>
+          <a:ext cx="0" cy="0"/>
+          <a:chOff x="0" y="0"/>
+          <a:chExt cx="0" cy="0"/>
+        </a:xfrm>
+      </p:grpSpPr>
+      <p:sp>
+        <p:nvSpPr>
+          <p:cNvPr id="2" name="投影片編號版面配置區 1"/>
+          <p:cNvSpPr>
+            <a:spLocks noGrp="1"/>
+          </p:cNvSpPr>
+          <p:nvPr>
+            <p:ph type="sldNum" sz="quarter" idx="4"/>
+          </p:nvPr>
+        </p:nvSpPr>
+        <p:spPr/>
+        <p:txBody>
+          <a:bodyPr/>
+          <a:lstStyle/>
+          <a:p>
+            <a:fld id="{6F0746BA-D1AA-4FF4-8D48-BDBC7FF48778}" type="slidenum">
+              <a:rPr lang="fr-FR" smtClean="0"/>
+              <a:t>4</a:t>
+            </a:fld>
+            <a:endParaRPr lang="fr-FR"/>
+          </a:p>
+        </p:txBody>
+      </p:sp>
+      <p:pic>
+        <p:nvPicPr>
+          <p:cNvPr id="3" name="圖片 2"/>
+          <p:cNvPicPr>
+            <a:picLocks noChangeAspect="1"/>
+          </p:cNvPicPr>
+          <p:nvPr/>
+        </p:nvPicPr>
+        <p:blipFill>
+          <a:blip r:embed="rId2">
+            <a:clrChange>
+              <a:clrFrom>
+                <a:srgbClr val="FFFFFF"/>
+              </a:clrFrom>
+              <a:clrTo>
+                <a:srgbClr val="FFFFFF">
+                  <a:alpha val="0"/>
+                </a:srgbClr>
+              </a:clrTo>
+            </a:clrChange>
+          </a:blip>
+          <a:stretch>
+            <a:fillRect/>
+          </a:stretch>
+        </p:blipFill>
+        <p:spPr>
+          <a:xfrm>
+            <a:off x="0" y="0"/>
+            <a:ext cx="12192000" cy="4819915"/>
+          </a:xfrm>
+          <a:prstGeom prst="rect">
+            <a:avLst/>
+          </a:prstGeom>
+        </p:spPr>
+      </p:pic>
+    </p:spTree>
+    <p:extLst>
+      <p:ext uri="{BB962C8B-B14F-4D97-AF65-F5344CB8AC3E}">
+        <p14:creationId xmlns:p14="http://schemas.microsoft.com/office/powerpoint/2010/main" val="3924473621"/>
+      </p:ext>
+    </p:extLst>
+  </p:cSld>
+  <p:clrMapOvr>
+    <a:masterClrMapping/>
+  </p:clrMapOvr>
+  <mc:AlternateContent xmlns:mc="http://schemas.openxmlformats.org/markup-compatibility/2006" xmlns:p14="http://schemas.microsoft.com/office/powerpoint/2010/main">
+    <mc:Choice Requires="p14">
+      <p:transition spd="med" p14:dur="700">
+        <p:fade/>
+      </p:transition>
+    </mc:Choice>
+    <mc:Fallback xmlns="">
+      <p:transition spd="med">
+        <p:fade/>
+      </p:transition>
+    </mc:Fallback>
+  </mc:AlternateContent>
+  <p:timing>
+    <p:tnLst>
+      <p:par>
+        <p:cTn id="1" dur="indefinite" restart="never" nodeType="tmRoot"/>
+      </p:par>
+    </p:tnLst>
+  </p:timing>
+</p:sld>
+</file>
+
+<file path=ppt/slides/slide5.xml><?xml version="1.0" encoding="utf-8"?>
+<p:sld xmlns:a="http://schemas.openxmlformats.org/drawingml/2006/main" xmlns:r="http://schemas.openxmlformats.org/officeDocument/2006/relationships" xmlns:p="http://schemas.openxmlformats.org/presentationml/2006/main">
+  <p:cSld>
+    <p:spTree>
+      <p:nvGrpSpPr>
+        <p:cNvPr id="1" name=""/>
+        <p:cNvGrpSpPr/>
+        <p:nvPr/>
+      </p:nvGrpSpPr>
+      <p:grpSpPr>
+        <a:xfrm>
+          <a:off x="0" y="0"/>
+          <a:ext cx="0" cy="0"/>
+          <a:chOff x="0" y="0"/>
+          <a:chExt cx="0" cy="0"/>
+        </a:xfrm>
+      </p:grpSpPr>
+      <p:sp>
+        <p:nvSpPr>
+          <p:cNvPr id="2" name="投影片編號版面配置區 1"/>
+          <p:cNvSpPr>
+            <a:spLocks noGrp="1"/>
+          </p:cNvSpPr>
+          <p:nvPr>
+            <p:ph type="sldNum" sz="quarter" idx="4"/>
+          </p:nvPr>
+        </p:nvSpPr>
+        <p:spPr/>
+        <p:txBody>
+          <a:bodyPr/>
+          <a:lstStyle/>
+          <a:p>
+            <a:fld id="{6F0746BA-D1AA-4FF4-8D48-BDBC7FF48778}" type="slidenum">
+              <a:rPr lang="fr-FR" smtClean="0"/>
+              <a:t>5</a:t>
+            </a:fld>
+            <a:endParaRPr lang="fr-FR"/>
+          </a:p>
+        </p:txBody>
+      </p:sp>
+      <p:pic>
+        <p:nvPicPr>
+          <p:cNvPr id="3" name="圖片 2"/>
+          <p:cNvPicPr>
+            <a:picLocks noChangeAspect="1"/>
+          </p:cNvPicPr>
+          <p:nvPr/>
+        </p:nvPicPr>
+        <p:blipFill>
+          <a:blip r:embed="rId2">
+            <a:clrChange>
+              <a:clrFrom>
+                <a:srgbClr val="FFFFFF"/>
+              </a:clrFrom>
+              <a:clrTo>
+                <a:srgbClr val="FFFFFF">
+                  <a:alpha val="0"/>
+                </a:srgbClr>
+              </a:clrTo>
+            </a:clrChange>
+          </a:blip>
+          <a:stretch>
+            <a:fillRect/>
+          </a:stretch>
+        </p:blipFill>
+        <p:spPr>
+          <a:xfrm>
+            <a:off x="1" y="0"/>
+            <a:ext cx="12192000" cy="2888990"/>
+          </a:xfrm>
+          <a:prstGeom prst="rect">
+            <a:avLst/>
+          </a:prstGeom>
+        </p:spPr>
+      </p:pic>
+    </p:spTree>
+    <p:extLst>
+      <p:ext uri="{BB962C8B-B14F-4D97-AF65-F5344CB8AC3E}">
+        <p14:creationId xmlns:p14="http://schemas.microsoft.com/office/powerpoint/2010/main" val="1449416297"/>
+      </p:ext>
+    </p:extLst>
+  </p:cSld>
+  <p:clrMapOvr>
+    <a:masterClrMapping/>
+  </p:clrMapOvr>
+  <mc:AlternateContent xmlns:mc="http://schemas.openxmlformats.org/markup-compatibility/2006" xmlns:p14="http://schemas.microsoft.com/office/powerpoint/2010/main">
+    <mc:Choice Requires="p14">
+      <p:transition spd="med" p14:dur="700">
+        <p:fade/>
+      </p:transition>
+    </mc:Choice>
+    <mc:Fallback xmlns="">
+      <p:transition spd="med">
+        <p:fade/>
+      </p:transition>
+    </mc:Fallback>
+  </mc:AlternateContent>
+  <p:timing>
+    <p:tnLst>
+      <p:par>
+        <p:cTn id="1" dur="indefinite" restart="never" nodeType="tmRoot"/>
+      </p:par>
+    </p:tnLst>
+  </p:timing>
+</p:sld>
+</file>
+
+<file path=ppt/slides/slide6.xml><?xml version="1.0" encoding="utf-8"?>
+<p:sld xmlns:a="http://schemas.openxmlformats.org/drawingml/2006/main" xmlns:r="http://schemas.openxmlformats.org/officeDocument/2006/relationships" xmlns:p="http://schemas.openxmlformats.org/presentationml/2006/main">
+  <p:cSld>
+    <p:spTree>
+      <p:nvGrpSpPr>
+        <p:cNvPr id="1" name=""/>
+        <p:cNvGrpSpPr/>
+        <p:nvPr/>
+      </p:nvGrpSpPr>
+      <p:grpSpPr>
+        <a:xfrm>
+          <a:off x="0" y="0"/>
+          <a:ext cx="0" cy="0"/>
+          <a:chOff x="0" y="0"/>
+          <a:chExt cx="0" cy="0"/>
+        </a:xfrm>
+      </p:grpSpPr>
+      <p:sp>
+        <p:nvSpPr>
+          <p:cNvPr id="2" name="文字版面配置區 1"/>
+          <p:cNvSpPr>
+            <a:spLocks noGrp="1"/>
+          </p:cNvSpPr>
+          <p:nvPr>
+            <p:ph type="body" sz="quarter" idx="10"/>
+          </p:nvPr>
+        </p:nvSpPr>
+        <p:spPr/>
+        <p:txBody>
+          <a:bodyPr/>
+          <a:lstStyle/>
+          <a:p>
+            <a:endParaRPr lang="zh-TW" altLang="en-US"/>
+          </a:p>
+        </p:txBody>
+      </p:sp>
+      <p:sp>
+        <p:nvSpPr>
+          <p:cNvPr id="3" name="投影片編號版面配置區 2"/>
+          <p:cNvSpPr>
+            <a:spLocks noGrp="1"/>
+          </p:cNvSpPr>
+          <p:nvPr>
+            <p:ph type="sldNum" sz="quarter" idx="4"/>
+          </p:nvPr>
+        </p:nvSpPr>
+        <p:spPr/>
+        <p:txBody>
+          <a:bodyPr/>
+          <a:lstStyle/>
+          <a:p>
+            <a:fld id="{6F0746BA-D1AA-4FF4-8D48-BDBC7FF48778}" type="slidenum">
+              <a:rPr lang="fr-FR" smtClean="0"/>
+              <a:t>6</a:t>
+            </a:fld>
+            <a:endParaRPr lang="fr-FR"/>
+          </a:p>
+        </p:txBody>
+      </p:sp>
+      <p:pic>
+        <p:nvPicPr>
+          <p:cNvPr id="5" name="圖片 4"/>
+          <p:cNvPicPr>
+            <a:picLocks noChangeAspect="1"/>
+          </p:cNvPicPr>
+          <p:nvPr/>
+        </p:nvPicPr>
+        <p:blipFill>
+          <a:blip r:embed="rId2">
+            <a:clrChange>
+              <a:clrFrom>
+                <a:srgbClr val="FFFFFF"/>
+              </a:clrFrom>
+              <a:clrTo>
+                <a:srgbClr val="FFFFFF">
+                  <a:alpha val="0"/>
+                </a:srgbClr>
+              </a:clrTo>
+            </a:clrChange>
+          </a:blip>
+          <a:stretch>
+            <a:fillRect/>
+          </a:stretch>
+        </p:blipFill>
+        <p:spPr>
+          <a:xfrm>
+            <a:off x="6095238" y="1784920"/>
+            <a:ext cx="6095238" cy="4571429"/>
+          </a:xfrm>
+          <a:prstGeom prst="rect">
+            <a:avLst/>
+          </a:prstGeom>
+        </p:spPr>
+      </p:pic>
+      <p:pic>
+        <p:nvPicPr>
+          <p:cNvPr id="6" name="圖片 5"/>
+          <p:cNvPicPr>
+            <a:picLocks noChangeAspect="1"/>
+          </p:cNvPicPr>
+          <p:nvPr/>
+        </p:nvPicPr>
+        <p:blipFill>
+          <a:blip r:embed="rId3">
+            <a:clrChange>
+              <a:clrFrom>
+                <a:srgbClr val="FFFFFF"/>
+              </a:clrFrom>
+              <a:clrTo>
+                <a:srgbClr val="FFFFFF">
+                  <a:alpha val="0"/>
+                </a:srgbClr>
+              </a:clrTo>
+            </a:clrChange>
+          </a:blip>
+          <a:stretch>
+            <a:fillRect/>
+          </a:stretch>
+        </p:blipFill>
+        <p:spPr>
+          <a:xfrm>
+            <a:off x="0" y="1784920"/>
+            <a:ext cx="6095238" cy="4571429"/>
+          </a:xfrm>
+          <a:prstGeom prst="rect">
+            <a:avLst/>
+          </a:prstGeom>
+        </p:spPr>
+      </p:pic>
+    </p:spTree>
+    <p:extLst>
+      <p:ext uri="{BB962C8B-B14F-4D97-AF65-F5344CB8AC3E}">
+        <p14:creationId xmlns:p14="http://schemas.microsoft.com/office/powerpoint/2010/main" val="2592963929"/>
+      </p:ext>
+    </p:extLst>
+  </p:cSld>
+  <p:clrMapOvr>
+    <a:masterClrMapping/>
+  </p:clrMapOvr>
+  <mc:AlternateContent xmlns:mc="http://schemas.openxmlformats.org/markup-compatibility/2006" xmlns:p14="http://schemas.microsoft.com/office/powerpoint/2010/main">
+    <mc:Choice Requires="p14">
+      <p:transition spd="med" p14:dur="700">
+        <p:fade/>
+      </p:transition>
+    </mc:Choice>
+    <mc:Fallback xmlns="">
+      <p:transition spd="med">
+        <p:fade/>
+      </p:transition>
+    </mc:Fallback>
+  </mc:AlternateContent>
+  <p:timing>
+    <p:tnLst>
+      <p:par>
+        <p:cTn id="1" dur="indefinite" restart="never" nodeType="tmRoot"/>
+      </p:par>
+    </p:tnLst>
+  </p:timing>
+</p:sld>
+</file>
+
+<file path=ppt/slides/slide7.xml><?xml version="1.0" encoding="utf-8"?>
+<p:sld xmlns:a="http://schemas.openxmlformats.org/drawingml/2006/main" xmlns:r="http://schemas.openxmlformats.org/officeDocument/2006/relationships" xmlns:p="http://schemas.openxmlformats.org/presentationml/2006/main">
+  <p:cSld>
+    <p:spTree>
+      <p:nvGrpSpPr>
+        <p:cNvPr id="1" name=""/>
+        <p:cNvGrpSpPr/>
+        <p:nvPr/>
+      </p:nvGrpSpPr>
+      <p:grpSpPr>
+        <a:xfrm>
+          <a:off x="0" y="0"/>
+          <a:ext cx="0" cy="0"/>
+          <a:chOff x="0" y="0"/>
+          <a:chExt cx="0" cy="0"/>
+        </a:xfrm>
+      </p:grpSpPr>
+      <p:sp>
+        <p:nvSpPr>
+          <p:cNvPr id="2" name="投影片編號版面配置區 1"/>
+          <p:cNvSpPr>
+            <a:spLocks noGrp="1"/>
+          </p:cNvSpPr>
+          <p:nvPr>
+            <p:ph type="sldNum" sz="quarter" idx="4"/>
+          </p:nvPr>
+        </p:nvSpPr>
+        <p:spPr/>
+        <p:txBody>
+          <a:bodyPr/>
+          <a:lstStyle/>
+          <a:p>
+            <a:fld id="{6F0746BA-D1AA-4FF4-8D48-BDBC7FF48778}" type="slidenum">
+              <a:rPr lang="fr-FR" smtClean="0"/>
+              <a:t>7</a:t>
+            </a:fld>
+            <a:endParaRPr lang="fr-FR"/>
+          </a:p>
+        </p:txBody>
+      </p:sp>
+      <p:pic>
+        <p:nvPicPr>
+          <p:cNvPr id="3" name="圖片 2"/>
+          <p:cNvPicPr>
+            <a:picLocks noChangeAspect="1"/>
+          </p:cNvPicPr>
+          <p:nvPr/>
+        </p:nvPicPr>
+        <p:blipFill>
+          <a:blip r:embed="rId2">
+            <a:clrChange>
+              <a:clrFrom>
+                <a:srgbClr val="FFFFFF"/>
+              </a:clrFrom>
+              <a:clrTo>
+                <a:srgbClr val="FFFFFF">
+                  <a:alpha val="0"/>
+                </a:srgbClr>
+              </a:clrTo>
+            </a:clrChange>
+          </a:blip>
+          <a:stretch>
+            <a:fillRect/>
+          </a:stretch>
+        </p:blipFill>
+        <p:spPr>
+          <a:xfrm>
+            <a:off x="6095238" y="1387834"/>
+            <a:ext cx="6095238" cy="4571429"/>
+          </a:xfrm>
+          <a:prstGeom prst="rect">
+            <a:avLst/>
+          </a:prstGeom>
+        </p:spPr>
+      </p:pic>
+      <p:pic>
+        <p:nvPicPr>
+          <p:cNvPr id="5" name="圖片 4"/>
+          <p:cNvPicPr>
+            <a:picLocks noChangeAspect="1"/>
+          </p:cNvPicPr>
+          <p:nvPr/>
+        </p:nvPicPr>
+        <p:blipFill>
+          <a:blip r:embed="rId3">
+            <a:clrChange>
+              <a:clrFrom>
+                <a:srgbClr val="FFFFFF"/>
+              </a:clrFrom>
+              <a:clrTo>
+                <a:srgbClr val="FFFFFF">
+                  <a:alpha val="0"/>
+                </a:srgbClr>
+              </a:clrTo>
+            </a:clrChange>
+          </a:blip>
+          <a:stretch>
+            <a:fillRect/>
+          </a:stretch>
+        </p:blipFill>
+        <p:spPr>
+          <a:xfrm>
+            <a:off x="0" y="1387834"/>
+            <a:ext cx="6095238" cy="4571429"/>
+          </a:xfrm>
+          <a:prstGeom prst="rect">
+            <a:avLst/>
+          </a:prstGeom>
+        </p:spPr>
+      </p:pic>
+    </p:spTree>
+    <p:extLst>
+      <p:ext uri="{BB962C8B-B14F-4D97-AF65-F5344CB8AC3E}">
+        <p14:creationId xmlns:p14="http://schemas.microsoft.com/office/powerpoint/2010/main" val="849224511"/>
+      </p:ext>
+    </p:extLst>
+  </p:cSld>
+  <p:clrMapOvr>
+    <a:masterClrMapping/>
+  </p:clrMapOvr>
+  <mc:AlternateContent xmlns:mc="http://schemas.openxmlformats.org/markup-compatibility/2006" xmlns:p14="http://schemas.microsoft.com/office/powerpoint/2010/main">
+    <mc:Choice Requires="p14">
+      <p:transition spd="med" p14:dur="700">
+        <p:fade/>
+      </p:transition>
+    </mc:Choice>
+    <mc:Fallback xmlns="">
+      <p:transition spd="med">
+        <p:fade/>
+      </p:transition>
+    </mc:Fallback>
+  </mc:AlternateContent>
+  <p:timing>
+    <p:tnLst>
+      <p:par>
+        <p:cTn id="1" dur="indefinite" restart="never" nodeType="tmRoot"/>
+      </p:par>
+    </p:tnLst>
+  </p:timing>
+</p:sld>
+</file>
+
+<file path=ppt/slides/slide8.xml><?xml version="1.0" encoding="utf-8"?>
+<p:sld xmlns:a="http://schemas.openxmlformats.org/drawingml/2006/main" xmlns:r="http://schemas.openxmlformats.org/officeDocument/2006/relationships" xmlns:p="http://schemas.openxmlformats.org/presentationml/2006/main">
+  <p:cSld>
+    <p:spTree>
+      <p:nvGrpSpPr>
+        <p:cNvPr id="1" name=""/>
+        <p:cNvGrpSpPr/>
+        <p:nvPr/>
+      </p:nvGrpSpPr>
+      <p:grpSpPr>
+        <a:xfrm>
+          <a:off x="0" y="0"/>
+          <a:ext cx="0" cy="0"/>
+          <a:chOff x="0" y="0"/>
+          <a:chExt cx="0" cy="0"/>
+        </a:xfrm>
+      </p:grpSpPr>
+      <p:sp>
+        <p:nvSpPr>
+          <p:cNvPr id="5" name="文字版面配置區 4"/>
+          <p:cNvSpPr>
+            <a:spLocks noGrp="1"/>
+          </p:cNvSpPr>
+          <p:nvPr>
+            <p:ph type="body" sz="quarter" idx="10"/>
+          </p:nvPr>
+        </p:nvSpPr>
+        <p:spPr/>
+        <p:txBody>
+          <a:bodyPr/>
+          <a:lstStyle/>
+          <a:p>
+            <a:r>
+              <a:rPr lang="en-US" altLang="zh-TW" dirty="0"/>
+              <a:t>Mu</a:t>
+            </a:r>
+            <a:endParaRPr lang="zh-TW" altLang="en-US" dirty="0"/>
+          </a:p>
+        </p:txBody>
+      </p:sp>
+      <p:sp>
+        <p:nvSpPr>
+          <p:cNvPr id="2" name="投影片編號版面配置區 1"/>
+          <p:cNvSpPr>
+            <a:spLocks noGrp="1"/>
+          </p:cNvSpPr>
+          <p:nvPr>
+            <p:ph type="sldNum" sz="quarter" idx="4"/>
+          </p:nvPr>
+        </p:nvSpPr>
+        <p:spPr/>
+        <p:txBody>
+          <a:bodyPr/>
+          <a:lstStyle/>
+          <a:p>
+            <a:fld id="{6F0746BA-D1AA-4FF4-8D48-BDBC7FF48778}" type="slidenum">
+              <a:rPr lang="fr-FR" smtClean="0"/>
+              <a:t>8</a:t>
+            </a:fld>
+            <a:endParaRPr lang="fr-FR" dirty="0"/>
+          </a:p>
+        </p:txBody>
+      </p:sp>
+      <p:pic>
+        <p:nvPicPr>
+          <p:cNvPr id="3" name="圖片 2"/>
+          <p:cNvPicPr>
+            <a:picLocks noChangeAspect="1"/>
+          </p:cNvPicPr>
+          <p:nvPr/>
+        </p:nvPicPr>
+        <p:blipFill>
+          <a:blip r:embed="rId2">
+            <a:clrChange>
+              <a:clrFrom>
+                <a:srgbClr val="FFFFFF"/>
+              </a:clrFrom>
+              <a:clrTo>
+                <a:srgbClr val="FFFFFF">
+                  <a:alpha val="0"/>
+                </a:srgbClr>
+              </a:clrTo>
+            </a:clrChange>
+            <a:extLst>
+              <a:ext uri="{28A0092B-C50C-407E-A947-70E740481C1C}">
+                <a14:useLocalDpi xmlns:a14="http://schemas.microsoft.com/office/drawing/2010/main" val="0"/>
+              </a:ext>
+            </a:extLst>
+          </a:blip>
+          <a:stretch>
+            <a:fillRect/>
+          </a:stretch>
+        </p:blipFill>
+        <p:spPr>
+          <a:xfrm>
+            <a:off x="243707" y="1704055"/>
+            <a:ext cx="5852172" cy="4379985"/>
+          </a:xfrm>
+          <a:prstGeom prst="rect">
+            <a:avLst/>
+          </a:prstGeom>
+        </p:spPr>
+      </p:pic>
+      <p:pic>
+        <p:nvPicPr>
+          <p:cNvPr id="4" name="圖片 3"/>
+          <p:cNvPicPr>
+            <a:picLocks noChangeAspect="1"/>
+          </p:cNvPicPr>
+          <p:nvPr/>
+        </p:nvPicPr>
+        <p:blipFill>
+          <a:blip r:embed="rId3">
+            <a:clrChange>
+              <a:clrFrom>
+                <a:srgbClr val="FFFFFF"/>
+              </a:clrFrom>
+              <a:clrTo>
+                <a:srgbClr val="FFFFFF">
+                  <a:alpha val="0"/>
+                </a:srgbClr>
+              </a:clrTo>
+            </a:clrChange>
+            <a:extLst>
+              <a:ext uri="{28A0092B-C50C-407E-A947-70E740481C1C}">
+                <a14:useLocalDpi xmlns:a14="http://schemas.microsoft.com/office/drawing/2010/main" val="0"/>
+              </a:ext>
+            </a:extLst>
+          </a:blip>
+          <a:stretch>
+            <a:fillRect/>
+          </a:stretch>
+        </p:blipFill>
+        <p:spPr>
+          <a:xfrm>
+            <a:off x="6106514" y="1704053"/>
+            <a:ext cx="5852172" cy="4379985"/>
+          </a:xfrm>
+          <a:prstGeom prst="rect">
+            <a:avLst/>
+          </a:prstGeom>
+        </p:spPr>
+      </p:pic>
+      <p:sp>
+        <p:nvSpPr>
+          <p:cNvPr id="11" name="文字方塊 10"/>
+          <p:cNvSpPr txBox="1"/>
+          <p:nvPr/>
+        </p:nvSpPr>
+        <p:spPr>
+          <a:xfrm>
+            <a:off x="561097" y="1565915"/>
+            <a:ext cx="5217390" cy="494431"/>
+          </a:xfrm>
+          <a:prstGeom prst="rect">
+            <a:avLst/>
+          </a:prstGeom>
+          <a:noFill/>
+        </p:spPr>
+        <p:txBody>
+          <a:bodyPr wrap="none" lIns="0" rtlCol="0" anchor="t">
+            <a:spAutoFit/>
+          </a:bodyPr>
+          <a:lstStyle/>
+          <a:p>
+            <a:pPr>
+              <a:lnSpc>
+                <a:spcPct val="120000"/>
+              </a:lnSpc>
+            </a:pPr>
+            <a:r>
+              <a:rPr lang="en-US" altLang="zh-TW" sz="2400" dirty="0">
+                <a:latin typeface="Segoe UI Light" panose="020B0502040204020203" pitchFamily="34" charset="0"/>
+                <a:cs typeface="Segoe UI Light" panose="020B0502040204020203" pitchFamily="34" charset="0"/>
+              </a:rPr>
+              <a:t>Consider </a:t>
+            </a:r>
+            <a:r>
+              <a:rPr lang="en-US" altLang="zh-TW" sz="2400" dirty="0">
+                <a:solidFill>
+                  <a:schemeClr val="accent1"/>
+                </a:solidFill>
+                <a:latin typeface="Segoe UI Light" panose="020B0502040204020203" pitchFamily="34" charset="0"/>
+                <a:cs typeface="Segoe UI Light" panose="020B0502040204020203" pitchFamily="34" charset="0"/>
+              </a:rPr>
+              <a:t>Hundreds Of Combo </a:t>
+            </a:r>
+            <a:r>
+              <a:rPr lang="en-US" altLang="zh-TW" sz="2400" dirty="0">
+                <a:latin typeface="Segoe UI Light" panose="020B0502040204020203" pitchFamily="34" charset="0"/>
+                <a:cs typeface="Segoe UI Light" panose="020B0502040204020203" pitchFamily="34" charset="0"/>
+              </a:rPr>
+              <a:t>Demand</a:t>
+            </a:r>
+            <a:endParaRPr lang="zh-TW" altLang="en-US" sz="2400" dirty="0">
+              <a:latin typeface="Segoe UI Light" panose="020B0502040204020203" pitchFamily="34" charset="0"/>
+              <a:cs typeface="Segoe UI Light" panose="020B0502040204020203" pitchFamily="34" charset="0"/>
+            </a:endParaRPr>
+          </a:p>
+        </p:txBody>
+      </p:sp>
+      <p:sp>
+        <p:nvSpPr>
+          <p:cNvPr id="12" name="文字方塊 11"/>
+          <p:cNvSpPr txBox="1"/>
+          <p:nvPr/>
+        </p:nvSpPr>
+        <p:spPr>
+          <a:xfrm>
+            <a:off x="7026762" y="1565914"/>
+            <a:ext cx="4011676" cy="494431"/>
+          </a:xfrm>
+          <a:prstGeom prst="rect">
+            <a:avLst/>
+          </a:prstGeom>
+          <a:noFill/>
+        </p:spPr>
+        <p:txBody>
+          <a:bodyPr wrap="none" lIns="0" rtlCol="0" anchor="t">
+            <a:spAutoFit/>
+          </a:bodyPr>
+          <a:lstStyle/>
+          <a:p>
+            <a:pPr>
+              <a:lnSpc>
+                <a:spcPct val="120000"/>
+              </a:lnSpc>
+            </a:pPr>
+            <a:r>
+              <a:rPr lang="en-US" altLang="zh-TW" sz="2400" dirty="0">
+                <a:latin typeface="Segoe UI Light" panose="020B0502040204020203" pitchFamily="34" charset="0"/>
+                <a:cs typeface="Segoe UI Light" panose="020B0502040204020203" pitchFamily="34" charset="0"/>
+              </a:rPr>
+              <a:t>Catch </a:t>
+            </a:r>
+            <a:r>
+              <a:rPr lang="en-US" altLang="zh-TW" sz="2400" dirty="0">
+                <a:solidFill>
+                  <a:schemeClr val="accent1"/>
+                </a:solidFill>
+                <a:latin typeface="Segoe UI Light" panose="020B0502040204020203" pitchFamily="34" charset="0"/>
+                <a:cs typeface="Segoe UI Light" panose="020B0502040204020203" pitchFamily="34" charset="0"/>
+              </a:rPr>
+              <a:t>Critical</a:t>
+            </a:r>
+            <a:r>
+              <a:rPr lang="en-US" altLang="zh-TW" sz="2400" dirty="0">
+                <a:latin typeface="Segoe UI Light" panose="020B0502040204020203" pitchFamily="34" charset="0"/>
+                <a:cs typeface="Segoe UI Light" panose="020B0502040204020203" pitchFamily="34" charset="0"/>
+              </a:rPr>
+              <a:t> Demand Combo</a:t>
+            </a:r>
+            <a:endParaRPr lang="zh-TW" altLang="en-US" sz="2400" dirty="0">
+              <a:latin typeface="Segoe UI Light" panose="020B0502040204020203" pitchFamily="34" charset="0"/>
+              <a:cs typeface="Segoe UI Light" panose="020B0502040204020203" pitchFamily="34" charset="0"/>
+            </a:endParaRPr>
+          </a:p>
+        </p:txBody>
+      </p:sp>
+      <p:cxnSp>
+        <p:nvCxnSpPr>
+          <p:cNvPr id="14" name="直線單箭頭接點 13"/>
+          <p:cNvCxnSpPr/>
+          <p:nvPr/>
+        </p:nvCxnSpPr>
+        <p:spPr>
+          <a:xfrm>
+            <a:off x="5638603" y="3894047"/>
+            <a:ext cx="457276" cy="1"/>
+          </a:xfrm>
+          <a:prstGeom prst="straightConnector1">
+            <a:avLst/>
+          </a:prstGeom>
+          <a:ln>
+            <a:solidFill>
+              <a:schemeClr val="tx1"/>
+            </a:solidFill>
+            <a:tailEnd type="triangle"/>
+          </a:ln>
+        </p:spPr>
+        <p:style>
+          <a:lnRef idx="1">
+            <a:schemeClr val="accent1"/>
+          </a:lnRef>
+          <a:fillRef idx="0">
+            <a:schemeClr val="accent1"/>
+          </a:fillRef>
+          <a:effectRef idx="0">
+            <a:schemeClr val="accent1"/>
+          </a:effectRef>
+          <a:fontRef idx="minor">
+            <a:schemeClr val="tx1"/>
+          </a:fontRef>
+        </p:style>
+      </p:cxnSp>
+      <p:pic>
+        <p:nvPicPr>
+          <p:cNvPr id="21" name="圖片 20"/>
+          <p:cNvPicPr>
+            <a:picLocks noChangeAspect="1"/>
+          </p:cNvPicPr>
+          <p:nvPr/>
+        </p:nvPicPr>
+        <p:blipFill>
+          <a:blip r:embed="rId4"/>
+          <a:stretch>
+            <a:fillRect/>
+          </a:stretch>
+        </p:blipFill>
+        <p:spPr>
+          <a:xfrm>
+            <a:off x="2821064" y="2550120"/>
+            <a:ext cx="1633120" cy="1301393"/>
+          </a:xfrm>
+          <a:prstGeom prst="rect">
+            <a:avLst/>
+          </a:prstGeom>
+        </p:spPr>
+      </p:pic>
+      <p:sp>
+        <p:nvSpPr>
+          <p:cNvPr id="6" name="文字方塊 5"/>
+          <p:cNvSpPr txBox="1"/>
+          <p:nvPr/>
+        </p:nvSpPr>
+        <p:spPr>
+          <a:xfrm>
+            <a:off x="2542700" y="5826304"/>
+            <a:ext cx="1081386" cy="393890"/>
+          </a:xfrm>
+          <a:prstGeom prst="rect">
+            <a:avLst/>
+          </a:prstGeom>
+          <a:solidFill>
+            <a:srgbClr val="F7F7F7"/>
+          </a:solidFill>
+        </p:spPr>
+        <p:txBody>
+          <a:bodyPr wrap="none" lIns="0" rtlCol="0" anchor="t">
+            <a:spAutoFit/>
+          </a:bodyPr>
+          <a:lstStyle/>
+          <a:p>
+            <a:pPr algn="l">
+              <a:lnSpc>
+                <a:spcPct val="120000"/>
+              </a:lnSpc>
+            </a:pPr>
+            <a:r>
+              <a:rPr lang="en-US" altLang="zh-TW" dirty="0">
+                <a:latin typeface="Segoe UI Light" panose="020B0502040204020203" pitchFamily="34" charset="0"/>
+                <a:cs typeface="Segoe UI Light" panose="020B0502040204020203" pitchFamily="34" charset="0"/>
+              </a:rPr>
+              <a:t>Length(m)</a:t>
+            </a:r>
+            <a:endParaRPr lang="zh-TW" altLang="en-US" dirty="0">
+              <a:latin typeface="Segoe UI Light" panose="020B0502040204020203" pitchFamily="34" charset="0"/>
+              <a:cs typeface="Segoe UI Light" panose="020B0502040204020203" pitchFamily="34" charset="0"/>
+            </a:endParaRPr>
+          </a:p>
+        </p:txBody>
+      </p:sp>
+      <p:sp>
+        <p:nvSpPr>
+          <p:cNvPr id="13" name="文字方塊 12"/>
+          <p:cNvSpPr txBox="1"/>
+          <p:nvPr/>
+        </p:nvSpPr>
+        <p:spPr>
+          <a:xfrm>
+            <a:off x="8491907" y="5826304"/>
+            <a:ext cx="1081386" cy="393890"/>
+          </a:xfrm>
+          <a:prstGeom prst="rect">
+            <a:avLst/>
+          </a:prstGeom>
+          <a:solidFill>
+            <a:srgbClr val="F7F7F7"/>
+          </a:solidFill>
+        </p:spPr>
+        <p:txBody>
+          <a:bodyPr wrap="none" lIns="0" rtlCol="0" anchor="t">
+            <a:spAutoFit/>
+          </a:bodyPr>
+          <a:lstStyle/>
+          <a:p>
+            <a:pPr algn="l">
+              <a:lnSpc>
+                <a:spcPct val="120000"/>
+              </a:lnSpc>
+            </a:pPr>
+            <a:r>
+              <a:rPr lang="en-US" altLang="zh-TW" dirty="0">
+                <a:latin typeface="Segoe UI Light" panose="020B0502040204020203" pitchFamily="34" charset="0"/>
+                <a:cs typeface="Segoe UI Light" panose="020B0502040204020203" pitchFamily="34" charset="0"/>
+              </a:rPr>
+              <a:t>Length(m)</a:t>
+            </a:r>
+            <a:endParaRPr lang="zh-TW" altLang="en-US" dirty="0">
+              <a:latin typeface="Segoe UI Light" panose="020B0502040204020203" pitchFamily="34" charset="0"/>
+              <a:cs typeface="Segoe UI Light" panose="020B0502040204020203" pitchFamily="34" charset="0"/>
+            </a:endParaRPr>
+          </a:p>
+        </p:txBody>
+      </p:sp>
+      <mc:AlternateContent xmlns:mc="http://schemas.openxmlformats.org/markup-compatibility/2006" xmlns:a14="http://schemas.microsoft.com/office/drawing/2010/main">
+        <mc:Choice Requires="a14">
+          <p:sp>
+            <p:nvSpPr>
+              <p:cNvPr id="7" name="文字方塊 6"/>
+              <p:cNvSpPr txBox="1"/>
+              <p:nvPr/>
+            </p:nvSpPr>
+            <p:spPr>
+              <a:xfrm>
+                <a:off x="60829" y="3729432"/>
+                <a:ext cx="998928" cy="424732"/>
+              </a:xfrm>
+              <a:prstGeom prst="rect">
+                <a:avLst/>
+              </a:prstGeom>
+              <a:solidFill>
+                <a:srgbClr val="F7F7F7"/>
+              </a:solidFill>
+            </p:spPr>
+            <p:txBody>
+              <a:bodyPr wrap="none" lIns="0" rtlCol="0" anchor="t">
+                <a:spAutoFit/>
+              </a:bodyPr>
+              <a:lstStyle/>
+              <a:p>
+                <a:pPr algn="l">
+                  <a:lnSpc>
+                    <a:spcPct val="120000"/>
+                  </a:lnSpc>
+                </a:pPr>
+                <a14:m>
+                  <m:oMathPara xmlns:m="http://schemas.openxmlformats.org/officeDocument/2006/math">
+                    <m:oMathParaPr>
+                      <m:jc m:val="centerGroup"/>
+                    </m:oMathParaPr>
+                    <m:oMath xmlns:m="http://schemas.openxmlformats.org/officeDocument/2006/math">
+                      <m:sSub>
+                        <m:sSubPr>
+                          <m:ctrlPr>
+                            <a:rPr lang="en-US" altLang="zh-TW" b="0" i="1" smtClean="0">
+                              <a:latin typeface="Cambria Math" panose="02040503050406030204" pitchFamily="18" charset="0"/>
+                              <a:cs typeface="Segoe UI Light" panose="020B0502040204020203" pitchFamily="34" charset="0"/>
+                            </a:rPr>
+                          </m:ctrlPr>
+                        </m:sSubPr>
+                        <m:e>
+                          <m:r>
+                            <a:rPr lang="en-US" altLang="zh-TW" b="0" i="1" smtClean="0">
+                              <a:latin typeface="Cambria Math" panose="02040503050406030204" pitchFamily="18" charset="0"/>
+                              <a:cs typeface="Segoe UI Light" panose="020B0502040204020203" pitchFamily="34" charset="0"/>
+                            </a:rPr>
+                            <m:t>𝐴</m:t>
+                          </m:r>
+                        </m:e>
+                        <m:sub>
+                          <m:r>
+                            <a:rPr lang="en-US" altLang="zh-TW" b="0" i="1" smtClean="0">
+                              <a:latin typeface="Cambria Math" panose="02040503050406030204" pitchFamily="18" charset="0"/>
+                              <a:cs typeface="Segoe UI Light" panose="020B0502040204020203" pitchFamily="34" charset="0"/>
+                            </a:rPr>
+                            <m:t>𝑠</m:t>
+                          </m:r>
+                        </m:sub>
+                      </m:sSub>
+                      <m:r>
+                        <a:rPr lang="en-US" altLang="zh-TW" b="0" i="1" smtClean="0">
+                          <a:latin typeface="Cambria Math" panose="02040503050406030204" pitchFamily="18" charset="0"/>
+                          <a:cs typeface="Segoe UI Light" panose="020B0502040204020203" pitchFamily="34" charset="0"/>
+                        </a:rPr>
+                        <m:t>(</m:t>
+                      </m:r>
+                      <m:sSup>
+                        <m:sSupPr>
+                          <m:ctrlPr>
+                            <a:rPr lang="en-US" altLang="zh-TW" b="0" i="1" smtClean="0">
+                              <a:latin typeface="Cambria Math" panose="02040503050406030204" pitchFamily="18" charset="0"/>
+                              <a:cs typeface="Segoe UI Light" panose="020B0502040204020203" pitchFamily="34" charset="0"/>
+                            </a:rPr>
+                          </m:ctrlPr>
+                        </m:sSupPr>
+                        <m:e>
+                          <m:r>
+                            <a:rPr lang="en-US" altLang="zh-TW" b="0" i="1" smtClean="0">
+                              <a:latin typeface="Cambria Math" panose="02040503050406030204" pitchFamily="18" charset="0"/>
+                              <a:cs typeface="Segoe UI Light" panose="020B0502040204020203" pitchFamily="34" charset="0"/>
+                            </a:rPr>
+                            <m:t>𝑐𝑚</m:t>
+                          </m:r>
+                        </m:e>
+                        <m:sup>
+                          <m:r>
+                            <a:rPr lang="en-US" altLang="zh-TW" b="0" i="1" smtClean="0">
+                              <a:latin typeface="Cambria Math" panose="02040503050406030204" pitchFamily="18" charset="0"/>
+                              <a:cs typeface="Segoe UI Light" panose="020B0502040204020203" pitchFamily="34" charset="0"/>
+                            </a:rPr>
+                            <m:t>2</m:t>
+                          </m:r>
+                        </m:sup>
+                      </m:sSup>
+                      <m:r>
+                        <a:rPr lang="en-US" altLang="zh-TW" b="0" i="1" smtClean="0">
+                          <a:latin typeface="Cambria Math" panose="02040503050406030204" pitchFamily="18" charset="0"/>
+                          <a:cs typeface="Segoe UI Light" panose="020B0502040204020203" pitchFamily="34" charset="0"/>
+                        </a:rPr>
+                        <m:t>)</m:t>
+                      </m:r>
+                    </m:oMath>
+                  </m:oMathPara>
+                </a14:m>
+                <a:endParaRPr lang="zh-TW" altLang="en-US" dirty="0">
+                  <a:latin typeface="Segoe UI Light" panose="020B0502040204020203" pitchFamily="34" charset="0"/>
+                  <a:cs typeface="Segoe UI Light" panose="020B0502040204020203" pitchFamily="34" charset="0"/>
+                </a:endParaRPr>
+              </a:p>
+            </p:txBody>
+          </p:sp>
+        </mc:Choice>
+        <mc:Fallback xmlns="">
+          <p:sp>
+            <p:nvSpPr>
+              <p:cNvPr id="7" name="文字方塊 6"/>
+              <p:cNvSpPr txBox="1">
+                <a:spLocks noRot="1" noChangeAspect="1" noMove="1" noResize="1" noEditPoints="1" noAdjustHandles="1" noChangeArrowheads="1" noChangeShapeType="1" noTextEdit="1"/>
+              </p:cNvSpPr>
+              <p:nvPr/>
+            </p:nvSpPr>
+            <p:spPr>
+              <a:xfrm>
+                <a:off x="60829" y="3729432"/>
+                <a:ext cx="998928" cy="424732"/>
+              </a:xfrm>
+              <a:prstGeom prst="rect">
+                <a:avLst/>
+              </a:prstGeom>
+              <a:blipFill>
+                <a:blip r:embed="rId5"/>
+                <a:stretch>
+                  <a:fillRect l="-4878" b="-7246"/>
+                </a:stretch>
+              </a:blipFill>
+            </p:spPr>
+            <p:txBody>
+              <a:bodyPr/>
+              <a:lstStyle/>
+              <a:p>
+                <a:r>
+                  <a:rPr lang="zh-TW" altLang="en-US">
+                    <a:noFill/>
+                  </a:rPr>
+                  <a:t> </a:t>
+                </a:r>
+              </a:p>
+            </p:txBody>
+          </p:sp>
+        </mc:Fallback>
+      </mc:AlternateContent>
+      <mc:AlternateContent xmlns:mc="http://schemas.openxmlformats.org/markup-compatibility/2006" xmlns:a14="http://schemas.microsoft.com/office/drawing/2010/main">
+        <mc:Choice Requires="a14">
+          <p:sp>
+            <p:nvSpPr>
+              <p:cNvPr id="22" name="文字方塊 21"/>
+              <p:cNvSpPr txBox="1"/>
+              <p:nvPr/>
+            </p:nvSpPr>
+            <p:spPr>
+              <a:xfrm>
+                <a:off x="6278757" y="3729432"/>
+                <a:ext cx="998927" cy="424732"/>
+              </a:xfrm>
+              <a:prstGeom prst="rect">
+                <a:avLst/>
+              </a:prstGeom>
+              <a:solidFill>
+                <a:srgbClr val="F7F7F7"/>
+              </a:solidFill>
+            </p:spPr>
+            <p:txBody>
+              <a:bodyPr wrap="none" lIns="0" rtlCol="0" anchor="t">
+                <a:spAutoFit/>
+              </a:bodyPr>
+              <a:lstStyle/>
+              <a:p>
+                <a:pPr algn="l">
+                  <a:lnSpc>
+                    <a:spcPct val="120000"/>
+                  </a:lnSpc>
+                </a:pPr>
+                <a14:m>
+                  <m:oMathPara xmlns:m="http://schemas.openxmlformats.org/officeDocument/2006/math">
+                    <m:oMathParaPr>
+                      <m:jc m:val="centerGroup"/>
+                    </m:oMathParaPr>
+                    <m:oMath xmlns:m="http://schemas.openxmlformats.org/officeDocument/2006/math">
+                      <m:sSub>
+                        <m:sSubPr>
+                          <m:ctrlPr>
+                            <a:rPr lang="en-US" altLang="zh-TW" b="0" i="1" smtClean="0">
+                              <a:latin typeface="Cambria Math" panose="02040503050406030204" pitchFamily="18" charset="0"/>
+                              <a:cs typeface="Segoe UI Light" panose="020B0502040204020203" pitchFamily="34" charset="0"/>
+                            </a:rPr>
+                          </m:ctrlPr>
+                        </m:sSubPr>
+                        <m:e>
+                          <m:r>
+                            <a:rPr lang="en-US" altLang="zh-TW" b="0" i="1" smtClean="0">
+                              <a:latin typeface="Cambria Math" panose="02040503050406030204" pitchFamily="18" charset="0"/>
+                              <a:cs typeface="Segoe UI Light" panose="020B0502040204020203" pitchFamily="34" charset="0"/>
+                            </a:rPr>
+                            <m:t>𝐴</m:t>
+                          </m:r>
+                        </m:e>
+                        <m:sub>
+                          <m:r>
+                            <a:rPr lang="en-US" altLang="zh-TW" b="0" i="1" smtClean="0">
+                              <a:latin typeface="Cambria Math" panose="02040503050406030204" pitchFamily="18" charset="0"/>
+                              <a:cs typeface="Segoe UI Light" panose="020B0502040204020203" pitchFamily="34" charset="0"/>
+                            </a:rPr>
+                            <m:t>𝑠</m:t>
+                          </m:r>
+                        </m:sub>
+                      </m:sSub>
+                      <m:r>
+                        <a:rPr lang="en-US" altLang="zh-TW" b="0" i="1" smtClean="0">
+                          <a:latin typeface="Cambria Math" panose="02040503050406030204" pitchFamily="18" charset="0"/>
+                          <a:cs typeface="Segoe UI Light" panose="020B0502040204020203" pitchFamily="34" charset="0"/>
+                        </a:rPr>
+                        <m:t>(</m:t>
+                      </m:r>
+                      <m:sSup>
+                        <m:sSupPr>
+                          <m:ctrlPr>
+                            <a:rPr lang="en-US" altLang="zh-TW" b="0" i="1" smtClean="0">
+                              <a:latin typeface="Cambria Math" panose="02040503050406030204" pitchFamily="18" charset="0"/>
+                              <a:cs typeface="Segoe UI Light" panose="020B0502040204020203" pitchFamily="34" charset="0"/>
+                            </a:rPr>
+                          </m:ctrlPr>
+                        </m:sSupPr>
+                        <m:e>
+                          <m:r>
+                            <a:rPr lang="en-US" altLang="zh-TW" b="0" i="1" smtClean="0">
+                              <a:latin typeface="Cambria Math" panose="02040503050406030204" pitchFamily="18" charset="0"/>
+                              <a:cs typeface="Segoe UI Light" panose="020B0502040204020203" pitchFamily="34" charset="0"/>
+                            </a:rPr>
+                            <m:t>𝑐𝑚</m:t>
+                          </m:r>
+                        </m:e>
+                        <m:sup>
+                          <m:r>
+                            <a:rPr lang="en-US" altLang="zh-TW" b="0" i="1" smtClean="0">
+                              <a:latin typeface="Cambria Math" panose="02040503050406030204" pitchFamily="18" charset="0"/>
+                              <a:cs typeface="Segoe UI Light" panose="020B0502040204020203" pitchFamily="34" charset="0"/>
+                            </a:rPr>
+                            <m:t>2</m:t>
+                          </m:r>
+                        </m:sup>
+                      </m:sSup>
+                      <m:r>
+                        <a:rPr lang="en-US" altLang="zh-TW" b="0" i="1" smtClean="0">
+                          <a:latin typeface="Cambria Math" panose="02040503050406030204" pitchFamily="18" charset="0"/>
+                          <a:cs typeface="Segoe UI Light" panose="020B0502040204020203" pitchFamily="34" charset="0"/>
+                        </a:rPr>
+                        <m:t>)</m:t>
+                      </m:r>
+                    </m:oMath>
+                  </m:oMathPara>
+                </a14:m>
+                <a:endParaRPr lang="zh-TW" altLang="en-US" dirty="0">
+                  <a:latin typeface="Segoe UI Light" panose="020B0502040204020203" pitchFamily="34" charset="0"/>
+                  <a:cs typeface="Segoe UI Light" panose="020B0502040204020203" pitchFamily="34" charset="0"/>
+                </a:endParaRPr>
+              </a:p>
+            </p:txBody>
+          </p:sp>
+        </mc:Choice>
+        <mc:Fallback xmlns="">
+          <p:sp>
+            <p:nvSpPr>
+              <p:cNvPr id="22" name="文字方塊 21"/>
+              <p:cNvSpPr txBox="1">
+                <a:spLocks noRot="1" noChangeAspect="1" noMove="1" noResize="1" noEditPoints="1" noAdjustHandles="1" noChangeArrowheads="1" noChangeShapeType="1" noTextEdit="1"/>
+              </p:cNvSpPr>
+              <p:nvPr/>
+            </p:nvSpPr>
+            <p:spPr>
+              <a:xfrm>
+                <a:off x="6278757" y="3729432"/>
+                <a:ext cx="998927" cy="424732"/>
+              </a:xfrm>
+              <a:prstGeom prst="rect">
+                <a:avLst/>
+              </a:prstGeom>
+              <a:blipFill>
+                <a:blip r:embed="rId6"/>
+                <a:stretch>
+                  <a:fillRect l="-4878" b="-7246"/>
+                </a:stretch>
+              </a:blipFill>
+            </p:spPr>
+            <p:txBody>
+              <a:bodyPr/>
+              <a:lstStyle/>
+              <a:p>
+                <a:r>
+                  <a:rPr lang="zh-TW" altLang="en-US">
+                    <a:noFill/>
+                  </a:rPr>
+                  <a:t> </a:t>
+                </a:r>
+              </a:p>
+            </p:txBody>
+          </p:sp>
+        </mc:Fallback>
+      </mc:AlternateContent>
+    </p:spTree>
+    <p:extLst>
+      <p:ext uri="{BB962C8B-B14F-4D97-AF65-F5344CB8AC3E}">
+        <p14:creationId xmlns:p14="http://schemas.microsoft.com/office/powerpoint/2010/main" val="3853354952"/>
+      </p:ext>
+    </p:extLst>
+  </p:cSld>
+  <p:clrMapOvr>
+    <a:masterClrMapping/>
+  </p:clrMapOvr>
+  <mc:AlternateContent xmlns:mc="http://schemas.openxmlformats.org/markup-compatibility/2006" xmlns:p14="http://schemas.microsoft.com/office/powerpoint/2010/main">
+    <mc:Choice Requires="p14">
+      <p:transition spd="med" p14:dur="700">
+        <p:fade/>
+      </p:transition>
+    </mc:Choice>
+    <mc:Fallback xmlns="">
+      <p:transition spd="med">
+        <p:fade/>
+      </p:transition>
+    </mc:Fallback>
+  </mc:AlternateContent>
+  <p:timing>
+    <p:tnLst>
+      <p:par>
+        <p:cTn id="1" dur="indefinite" restart="never" nodeType="tmRoot"/>
+      </p:par>
+    </p:tnLst>
+  </p:timing>
+</p:sld>
+</file>
+
+<file path=ppt/slides/slide9.xml><?xml version="1.0" encoding="utf-8"?>
+<p:sld xmlns:a="http://schemas.openxmlformats.org/drawingml/2006/main" xmlns:r="http://schemas.openxmlformats.org/officeDocument/2006/relationships" xmlns:p="http://schemas.openxmlformats.org/presentationml/2006/main">
+  <p:cSld>
+    <p:spTree>
+      <p:nvGrpSpPr>
+        <p:cNvPr id="1" name=""/>
+        <p:cNvGrpSpPr/>
+        <p:nvPr/>
+      </p:nvGrpSpPr>
+      <p:grpSpPr>
+        <a:xfrm>
+          <a:off x="0" y="0"/>
+          <a:ext cx="0" cy="0"/>
+          <a:chOff x="0" y="0"/>
+          <a:chExt cx="0" cy="0"/>
+        </a:xfrm>
+      </p:grpSpPr>
+      <p:sp>
+        <p:nvSpPr>
+          <p:cNvPr id="10" name="文字版面配置區 9"/>
+          <p:cNvSpPr>
+            <a:spLocks noGrp="1"/>
+          </p:cNvSpPr>
+          <p:nvPr>
+            <p:ph type="body" sz="quarter" idx="10"/>
+          </p:nvPr>
+        </p:nvSpPr>
+        <p:spPr>
+          <a:xfrm>
+            <a:off x="839787" y="660400"/>
+            <a:ext cx="5922519" cy="1311128"/>
+          </a:xfrm>
+        </p:spPr>
+        <p:txBody>
+          <a:bodyPr/>
+          <a:lstStyle/>
+          <a:p>
+            <a:r>
+              <a:rPr lang="en-US" altLang="zh-TW" dirty="0"/>
+              <a:t>Flexural Reinforcement</a:t>
+            </a:r>
+            <a:endParaRPr lang="zh-TW" altLang="en-US" dirty="0"/>
+          </a:p>
+        </p:txBody>
+      </p:sp>
+      <p:sp>
+        <p:nvSpPr>
+          <p:cNvPr id="2" name="投影片編號版面配置區 1"/>
+          <p:cNvSpPr>
+            <a:spLocks noGrp="1"/>
+          </p:cNvSpPr>
+          <p:nvPr>
+            <p:ph type="sldNum" sz="quarter" idx="4"/>
+          </p:nvPr>
+        </p:nvSpPr>
+        <p:spPr/>
+        <p:txBody>
+          <a:bodyPr/>
+          <a:lstStyle/>
+          <a:p>
+            <a:fld id="{6F0746BA-D1AA-4FF4-8D48-BDBC7FF48778}" type="slidenum">
+              <a:rPr lang="fr-FR" smtClean="0"/>
+              <a:t>9</a:t>
+            </a:fld>
+            <a:endParaRPr lang="fr-FR"/>
+          </a:p>
+        </p:txBody>
+      </p:sp>
+      <p:pic>
+        <p:nvPicPr>
+          <p:cNvPr id="12" name="圖片 11"/>
+          <p:cNvPicPr>
+            <a:picLocks noChangeAspect="1"/>
+          </p:cNvPicPr>
+          <p:nvPr/>
+        </p:nvPicPr>
+        <p:blipFill>
+          <a:blip r:embed="rId4">
+            <a:clrChange>
+              <a:clrFrom>
+                <a:srgbClr val="FFFFFF"/>
+              </a:clrFrom>
+              <a:clrTo>
+                <a:srgbClr val="FFFFFF">
+                  <a:alpha val="0"/>
+                </a:srgbClr>
+              </a:clrTo>
+            </a:clrChange>
+          </a:blip>
+          <a:stretch>
+            <a:fillRect/>
+          </a:stretch>
+        </p:blipFill>
+        <p:spPr>
+          <a:xfrm>
+            <a:off x="1426864" y="1960875"/>
+            <a:ext cx="3852709" cy="2408369"/>
+          </a:xfrm>
+          <a:prstGeom prst="rect">
+            <a:avLst/>
+          </a:prstGeom>
+        </p:spPr>
+      </p:pic>
+      <p:graphicFrame>
+        <p:nvGraphicFramePr>
+          <p:cNvPr id="3" name="物件 2">
+            <a:extLst>
+              <a:ext uri="{FF2B5EF4-FFF2-40B4-BE49-F238E27FC236}">
+                <a16:creationId xmlns:a16="http://schemas.microsoft.com/office/drawing/2014/main" id="{4C86971B-3ED9-46B4-B240-39706E97B301}"/>
+              </a:ext>
+            </a:extLst>
+          </p:cNvPr>
+          <p:cNvGraphicFramePr>
+            <a:graphicFrameLocks noChangeAspect="1"/>
+          </p:cNvGraphicFramePr>
+          <p:nvPr>
+            <p:extLst/>
+          </p:nvPr>
+        </p:nvGraphicFramePr>
+        <p:xfrm>
+          <a:off x="7032173" y="1971528"/>
+          <a:ext cx="2997200" cy="863600"/>
+        </p:xfrm>
+        <a:graphic>
+          <a:graphicData uri="http://schemas.openxmlformats.org/presentationml/2006/ole">
+            <mc:AlternateContent xmlns:mc="http://schemas.openxmlformats.org/markup-compatibility/2006">
+              <mc:Choice xmlns:v="urn:schemas-microsoft-com:vml" Requires="v">
+                <p:oleObj spid="_x0000_s1035" name="Equation" r:id="rId5" imgW="2997000" imgH="863280" progId="Equation.DSMT4">
+                  <p:embed/>
+                </p:oleObj>
+              </mc:Choice>
+              <mc:Fallback>
+                <p:oleObj name="Equation" r:id="rId5" imgW="2997000" imgH="863280" progId="Equation.DSMT4">
+                  <p:embed/>
+                  <p:pic>
+                    <p:nvPicPr>
+                      <p:cNvPr id="3" name="物件 2">
+                        <a:extLst>
+                          <a:ext uri="{FF2B5EF4-FFF2-40B4-BE49-F238E27FC236}">
+                            <a16:creationId xmlns:a16="http://schemas.microsoft.com/office/drawing/2014/main" id="{4C86971B-3ED9-46B4-B240-39706E97B301}"/>
+                          </a:ext>
+                        </a:extLst>
+                      </p:cNvPr>
+                      <p:cNvPicPr/>
+                      <p:nvPr/>
+                    </p:nvPicPr>
+                    <p:blipFill>
+                      <a:blip r:embed="rId6"/>
+                      <a:stretch>
+                        <a:fillRect/>
+                      </a:stretch>
+                    </p:blipFill>
+                    <p:spPr>
+                      <a:xfrm>
+                        <a:off x="7032173" y="1971528"/>
+                        <a:ext cx="2997200" cy="863600"/>
+                      </a:xfrm>
+                      <a:prstGeom prst="rect">
+                        <a:avLst/>
+                      </a:prstGeom>
+                    </p:spPr>
+                  </p:pic>
+                </p:oleObj>
+              </mc:Fallback>
+            </mc:AlternateContent>
+          </a:graphicData>
+        </a:graphic>
+      </p:graphicFrame>
+      <p:graphicFrame>
+        <p:nvGraphicFramePr>
+          <p:cNvPr id="4" name="物件 3">
+            <a:extLst>
+              <a:ext uri="{FF2B5EF4-FFF2-40B4-BE49-F238E27FC236}">
+                <a16:creationId xmlns:a16="http://schemas.microsoft.com/office/drawing/2014/main" id="{4257F66D-BBB8-4323-B2CB-FAB20E1EC4EE}"/>
+              </a:ext>
+            </a:extLst>
+          </p:cNvPr>
+          <p:cNvGraphicFramePr>
+            <a:graphicFrameLocks noChangeAspect="1"/>
+          </p:cNvGraphicFramePr>
+          <p:nvPr>
+            <p:extLst/>
+          </p:nvPr>
+        </p:nvGraphicFramePr>
+        <p:xfrm>
+          <a:off x="7032173" y="3172679"/>
+          <a:ext cx="2654300" cy="1016000"/>
+        </p:xfrm>
+        <a:graphic>
+          <a:graphicData uri="http://schemas.openxmlformats.org/presentationml/2006/ole">
+            <mc:AlternateContent xmlns:mc="http://schemas.openxmlformats.org/markup-compatibility/2006">
+              <mc:Choice xmlns:v="urn:schemas-microsoft-com:vml" Requires="v">
+                <p:oleObj spid="_x0000_s1036" name="Equation" r:id="rId7" imgW="2654280" imgH="1015920" progId="Equation.DSMT4">
+                  <p:embed/>
+                </p:oleObj>
+              </mc:Choice>
+              <mc:Fallback>
+                <p:oleObj name="Equation" r:id="rId7" imgW="2654280" imgH="1015920" progId="Equation.DSMT4">
+                  <p:embed/>
+                  <p:pic>
+                    <p:nvPicPr>
+                      <p:cNvPr id="4" name="物件 3">
+                        <a:extLst>
+                          <a:ext uri="{FF2B5EF4-FFF2-40B4-BE49-F238E27FC236}">
+                            <a16:creationId xmlns:a16="http://schemas.microsoft.com/office/drawing/2014/main" id="{4257F66D-BBB8-4323-B2CB-FAB20E1EC4EE}"/>
+                          </a:ext>
+                        </a:extLst>
+                      </p:cNvPr>
+                      <p:cNvPicPr/>
+                      <p:nvPr/>
+                    </p:nvPicPr>
+                    <p:blipFill>
+                      <a:blip r:embed="rId8"/>
+                      <a:stretch>
+                        <a:fillRect/>
+                      </a:stretch>
+                    </p:blipFill>
+                    <p:spPr>
+                      <a:xfrm>
+                        <a:off x="7032173" y="3172679"/>
+                        <a:ext cx="2654300" cy="1016000"/>
+                      </a:xfrm>
+                      <a:prstGeom prst="rect">
+                        <a:avLst/>
+                      </a:prstGeom>
+                    </p:spPr>
+                  </p:pic>
+                </p:oleObj>
+              </mc:Fallback>
+            </mc:AlternateContent>
+          </a:graphicData>
+        </a:graphic>
+      </p:graphicFrame>
+      <p:cxnSp>
+        <p:nvCxnSpPr>
+          <p:cNvPr id="6" name="直線單箭頭接點 5">
+            <a:extLst>
+              <a:ext uri="{FF2B5EF4-FFF2-40B4-BE49-F238E27FC236}">
+                <a16:creationId xmlns:a16="http://schemas.microsoft.com/office/drawing/2014/main" id="{8D00D93A-8CD2-40B3-B89C-4402CB7B2F76}"/>
+              </a:ext>
+            </a:extLst>
+          </p:cNvPr>
+          <p:cNvCxnSpPr/>
+          <p:nvPr/>
+        </p:nvCxnSpPr>
+        <p:spPr>
+          <a:xfrm>
+            <a:off x="5660573" y="3165059"/>
+            <a:ext cx="990600" cy="0"/>
+          </a:xfrm>
+          <a:prstGeom prst="straightConnector1">
+            <a:avLst/>
+          </a:prstGeom>
+          <a:ln>
+            <a:solidFill>
+              <a:schemeClr val="tx1"/>
+            </a:solidFill>
+            <a:tailEnd type="triangle"/>
+          </a:ln>
+        </p:spPr>
+        <p:style>
+          <a:lnRef idx="1">
+            <a:schemeClr val="accent1"/>
+          </a:lnRef>
+          <a:fillRef idx="0">
+            <a:schemeClr val="accent1"/>
+          </a:fillRef>
+          <a:effectRef idx="0">
+            <a:schemeClr val="accent1"/>
+          </a:effectRef>
+          <a:fontRef idx="minor">
+            <a:schemeClr val="tx1"/>
+          </a:fontRef>
+        </p:style>
+      </p:cxnSp>
+      <p:pic>
+        <p:nvPicPr>
+          <p:cNvPr id="7" name="圖片 6"/>
+          <p:cNvPicPr>
+            <a:picLocks noChangeAspect="1"/>
+          </p:cNvPicPr>
+          <p:nvPr/>
+        </p:nvPicPr>
+        <p:blipFill>
+          <a:blip r:embed="rId9">
+            <a:clrChange>
+              <a:clrFrom>
+                <a:srgbClr val="FFFFFF"/>
+              </a:clrFrom>
+              <a:clrTo>
+                <a:srgbClr val="FFFFFF">
+                  <a:alpha val="0"/>
+                </a:srgbClr>
+              </a:clrTo>
+            </a:clrChange>
+          </a:blip>
+          <a:stretch>
+            <a:fillRect/>
+          </a:stretch>
+        </p:blipFill>
+        <p:spPr>
+          <a:xfrm>
+            <a:off x="3048381" y="4081268"/>
+            <a:ext cx="6095238" cy="4571429"/>
+          </a:xfrm>
+          <a:prstGeom prst="rect">
+            <a:avLst/>
+          </a:prstGeom>
+        </p:spPr>
+      </p:pic>
+      <p:sp>
+        <p:nvSpPr>
+          <p:cNvPr id="8" name="文字方塊 7"/>
+          <p:cNvSpPr txBox="1"/>
+          <p:nvPr/>
+        </p:nvSpPr>
+        <p:spPr>
+          <a:xfrm>
+            <a:off x="1898333" y="6136149"/>
+            <a:ext cx="1454885" cy="461665"/>
+          </a:xfrm>
+          <a:prstGeom prst="rect">
+            <a:avLst/>
+          </a:prstGeom>
+          <a:noFill/>
+        </p:spPr>
+        <p:txBody>
+          <a:bodyPr wrap="none" lIns="0" rtlCol="0" anchor="t">
+            <a:spAutoFit/>
+          </a:bodyPr>
+          <a:lstStyle/>
+          <a:p>
+            <a:pPr algn="l">
+              <a:lnSpc>
+                <a:spcPct val="120000"/>
+              </a:lnSpc>
+            </a:pPr>
+            <a:r>
+              <a:rPr lang="en-US" altLang="zh-TW" sz="2000" dirty="0">
+                <a:latin typeface="Segoe UI Light" panose="020B0502040204020203" pitchFamily="34" charset="0"/>
+                <a:cs typeface="Segoe UI Light" panose="020B0502040204020203" pitchFamily="34" charset="0"/>
+              </a:rPr>
+              <a:t>Min: 2 Rebar</a:t>
+            </a:r>
+            <a:endParaRPr lang="zh-TW" altLang="en-US" sz="2000" dirty="0">
+              <a:latin typeface="Segoe UI Light" panose="020B0502040204020203" pitchFamily="34" charset="0"/>
+              <a:cs typeface="Segoe UI Light" panose="020B0502040204020203" pitchFamily="34" charset="0"/>
+            </a:endParaRPr>
+          </a:p>
+        </p:txBody>
+      </p:sp>
+      <p:cxnSp>
+        <p:nvCxnSpPr>
+          <p:cNvPr id="13" name="直線單箭頭接點 12"/>
+          <p:cNvCxnSpPr/>
+          <p:nvPr/>
+        </p:nvCxnSpPr>
+        <p:spPr>
+          <a:xfrm>
+            <a:off x="8653080" y="4805916"/>
+            <a:ext cx="0" cy="1550434"/>
+          </a:xfrm>
+          <a:prstGeom prst="straightConnector1">
+            <a:avLst/>
+          </a:prstGeom>
+          <a:ln>
+            <a:solidFill>
+              <a:schemeClr val="tx1"/>
+            </a:solidFill>
+            <a:headEnd type="triangle"/>
+            <a:tailEnd type="triangle"/>
+          </a:ln>
+        </p:spPr>
+        <p:style>
+          <a:lnRef idx="1">
+            <a:schemeClr val="accent1"/>
+          </a:lnRef>
+          <a:fillRef idx="0">
+            <a:schemeClr val="accent1"/>
+          </a:fillRef>
+          <a:effectRef idx="0">
+            <a:schemeClr val="accent1"/>
+          </a:effectRef>
+          <a:fontRef idx="minor">
+            <a:schemeClr val="tx1"/>
+          </a:fontRef>
+        </p:style>
+      </p:cxnSp>
+      <p:graphicFrame>
+        <p:nvGraphicFramePr>
+          <p:cNvPr id="15" name="物件 14"/>
+          <p:cNvGraphicFramePr>
+            <a:graphicFrameLocks noChangeAspect="1"/>
+          </p:cNvGraphicFramePr>
+          <p:nvPr>
+            <p:extLst/>
+          </p:nvPr>
+        </p:nvGraphicFramePr>
+        <p:xfrm>
+          <a:off x="8881895" y="5276333"/>
+          <a:ext cx="203200" cy="609600"/>
+        </p:xfrm>
+        <a:graphic>
+          <a:graphicData uri="http://schemas.openxmlformats.org/presentationml/2006/ole">
+            <mc:AlternateContent xmlns:mc="http://schemas.openxmlformats.org/markup-compatibility/2006">
+              <mc:Choice xmlns:v="urn:schemas-microsoft-com:vml" Requires="v">
+                <p:oleObj spid="_x0000_s1037" name="Equation" r:id="rId10" imgW="203040" imgH="609480" progId="Equation.DSMT4">
+                  <p:embed/>
+                </p:oleObj>
+              </mc:Choice>
+              <mc:Fallback>
+                <p:oleObj name="Equation" r:id="rId10" imgW="203040" imgH="609480" progId="Equation.DSMT4">
+                  <p:embed/>
+                  <p:pic>
+                    <p:nvPicPr>
+                      <p:cNvPr id="15" name="物件 14"/>
+                      <p:cNvPicPr/>
+                      <p:nvPr/>
+                    </p:nvPicPr>
+                    <p:blipFill>
+                      <a:blip r:embed="rId11"/>
+                      <a:stretch>
+                        <a:fillRect/>
+                      </a:stretch>
+                    </p:blipFill>
+                    <p:spPr>
+                      <a:xfrm>
+                        <a:off x="8881895" y="5276333"/>
+                        <a:ext cx="203200" cy="609600"/>
+                      </a:xfrm>
+                      <a:prstGeom prst="rect">
+                        <a:avLst/>
+                      </a:prstGeom>
+                    </p:spPr>
+                  </p:pic>
+                </p:oleObj>
+              </mc:Fallback>
+            </mc:AlternateContent>
+          </a:graphicData>
+        </a:graphic>
+      </p:graphicFrame>
+      <p:sp>
+        <p:nvSpPr>
+          <p:cNvPr id="5" name="文字方塊 4"/>
+          <p:cNvSpPr txBox="1"/>
+          <p:nvPr/>
+        </p:nvSpPr>
+        <p:spPr>
+          <a:xfrm>
+            <a:off x="4007444" y="4734072"/>
+            <a:ext cx="1519006" cy="461665"/>
+          </a:xfrm>
+          <a:prstGeom prst="rect">
+            <a:avLst/>
+          </a:prstGeom>
+          <a:noFill/>
+        </p:spPr>
+        <p:txBody>
+          <a:bodyPr wrap="none" lIns="0" rtlCol="0" anchor="t">
+            <a:spAutoFit/>
+          </a:bodyPr>
+          <a:lstStyle/>
+          <a:p>
+            <a:pPr>
+              <a:lnSpc>
+                <a:spcPct val="120000"/>
+              </a:lnSpc>
+            </a:pPr>
+            <a:r>
+              <a:rPr lang="en-US" altLang="zh-TW" sz="2000" dirty="0">
+                <a:solidFill>
+                  <a:schemeClr val="accent1"/>
+                </a:solidFill>
+              </a:rPr>
+              <a:t>- Demand As</a:t>
+            </a:r>
+            <a:endParaRPr lang="zh-TW" altLang="en-US" sz="2000" dirty="0">
+              <a:solidFill>
+                <a:schemeClr val="accent1"/>
+              </a:solidFill>
+              <a:latin typeface="Segoe UI Light" panose="020B0502040204020203" pitchFamily="34" charset="0"/>
+              <a:cs typeface="Segoe UI Light" panose="020B0502040204020203" pitchFamily="34" charset="0"/>
+            </a:endParaRPr>
+          </a:p>
+        </p:txBody>
+      </p:sp>
+    </p:spTree>
+    <p:extLst>
+      <p:ext uri="{BB962C8B-B14F-4D97-AF65-F5344CB8AC3E}">
+        <p14:creationId xmlns:p14="http://schemas.microsoft.com/office/powerpoint/2010/main" val="2453439490"/>
       </p:ext>
     </p:extLst>
   </p:cSld>
@@ -28166,12 +28210,9 @@
 </file>
 
 <file path=customXml/item1.xml><?xml version="1.0" encoding="utf-8"?>
-<?mso-contentType ?>
-<FormTemplates xmlns="http://schemas.microsoft.com/sharepoint/v3/contenttype/forms">
-  <Display>DocumentLibraryForm</Display>
-  <Edit>DocumentLibraryForm</Edit>
-  <New>DocumentLibraryForm</New>
-</FormTemplates>
+<p:properties xmlns:p="http://schemas.microsoft.com/office/2006/metadata/properties" xmlns:xsi="http://www.w3.org/2001/XMLSchema-instance" xmlns:pc="http://schemas.microsoft.com/office/infopath/2007/PartnerControls">
+  <documentManagement/>
+</p:properties>
 </file>
 
 <file path=customXml/item2.xml><?xml version="1.0" encoding="utf-8"?>
@@ -28289,15 +28330,25 @@
 </file>
 
 <file path=customXml/item3.xml><?xml version="1.0" encoding="utf-8"?>
-<p:properties xmlns:p="http://schemas.microsoft.com/office/2006/metadata/properties" xmlns:xsi="http://www.w3.org/2001/XMLSchema-instance" xmlns:pc="http://schemas.microsoft.com/office/infopath/2007/PartnerControls">
-  <documentManagement/>
-</p:properties>
+<?mso-contentType ?>
+<FormTemplates xmlns="http://schemas.microsoft.com/sharepoint/v3/contenttype/forms">
+  <Display>DocumentLibraryForm</Display>
+  <Edit>DocumentLibraryForm</Edit>
+  <New>DocumentLibraryForm</New>
+</FormTemplates>
 </file>
 
 <file path=customXml/itemProps1.xml><?xml version="1.0" encoding="utf-8"?>
-<ds:datastoreItem xmlns:ds="http://schemas.openxmlformats.org/officeDocument/2006/customXml" ds:itemID="{95457E87-E546-449E-A4D1-371201992E58}">
+<ds:datastoreItem xmlns:ds="http://schemas.openxmlformats.org/officeDocument/2006/customXml" ds:itemID="{88BF5EC3-CBCF-41C7-846F-A9B4B81CCEA8}">
   <ds:schemaRefs>
-    <ds:schemaRef ds:uri="http://schemas.microsoft.com/sharepoint/v3/contenttype/forms"/>
+    <ds:schemaRef ds:uri="http://schemas.microsoft.com/office/2006/documentManagement/types"/>
+    <ds:schemaRef ds:uri="http://purl.org/dc/dcmitype/"/>
+    <ds:schemaRef ds:uri="http://www.w3.org/XML/1998/namespace"/>
+    <ds:schemaRef ds:uri="http://schemas.microsoft.com/office/2006/metadata/properties"/>
+    <ds:schemaRef ds:uri="http://purl.org/dc/terms/"/>
+    <ds:schemaRef ds:uri="http://schemas.microsoft.com/office/infopath/2007/PartnerControls"/>
+    <ds:schemaRef ds:uri="http://schemas.openxmlformats.org/package/2006/metadata/core-properties"/>
+    <ds:schemaRef ds:uri="http://purl.org/dc/elements/1.1/"/>
   </ds:schemaRefs>
 </ds:datastoreItem>
 </file>
@@ -28319,16 +28370,9 @@
 </file>
 
 <file path=customXml/itemProps3.xml><?xml version="1.0" encoding="utf-8"?>
-<ds:datastoreItem xmlns:ds="http://schemas.openxmlformats.org/officeDocument/2006/customXml" ds:itemID="{88BF5EC3-CBCF-41C7-846F-A9B4B81CCEA8}">
+<ds:datastoreItem xmlns:ds="http://schemas.openxmlformats.org/officeDocument/2006/customXml" ds:itemID="{95457E87-E546-449E-A4D1-371201992E58}">
   <ds:schemaRefs>
-    <ds:schemaRef ds:uri="http://schemas.microsoft.com/office/2006/documentManagement/types"/>
-    <ds:schemaRef ds:uri="http://purl.org/dc/dcmitype/"/>
-    <ds:schemaRef ds:uri="http://www.w3.org/XML/1998/namespace"/>
-    <ds:schemaRef ds:uri="http://schemas.microsoft.com/office/2006/metadata/properties"/>
-    <ds:schemaRef ds:uri="http://purl.org/dc/terms/"/>
-    <ds:schemaRef ds:uri="http://schemas.microsoft.com/office/infopath/2007/PartnerControls"/>
-    <ds:schemaRef ds:uri="http://schemas.openxmlformats.org/package/2006/metadata/core-properties"/>
-    <ds:schemaRef ds:uri="http://purl.org/dc/elements/1.1/"/>
+    <ds:schemaRef ds:uri="http://schemas.microsoft.com/sharepoint/v3/contenttype/forms"/>
   </ds:schemaRefs>
 </ds:datastoreItem>
 </file>